--- a/宣道詩/(宣道詩75)耶穌領我.pptx
+++ b/宣道詩/(宣道詩75)耶穌領我.pptx
@@ -5,14 +5,23 @@
     <p:sldMasterId id="2147483672" r:id="rId1"/>
   </p:sldMasterIdLst>
   <p:sldIdLst>
-    <p:sldId id="256" r:id="rId2"/>
-    <p:sldId id="257" r:id="rId3"/>
-    <p:sldId id="258" r:id="rId4"/>
-    <p:sldId id="259" r:id="rId5"/>
-    <p:sldId id="260" r:id="rId6"/>
-    <p:sldId id="261" r:id="rId7"/>
-    <p:sldId id="262" r:id="rId8"/>
-    <p:sldId id="263" r:id="rId9"/>
+    <p:sldId id="264" r:id="rId2"/>
+    <p:sldId id="265" r:id="rId3"/>
+    <p:sldId id="266" r:id="rId4"/>
+    <p:sldId id="267" r:id="rId5"/>
+    <p:sldId id="268" r:id="rId6"/>
+    <p:sldId id="269" r:id="rId7"/>
+    <p:sldId id="270" r:id="rId8"/>
+    <p:sldId id="271" r:id="rId9"/>
+    <p:sldId id="272" r:id="rId10"/>
+    <p:sldId id="273" r:id="rId11"/>
+    <p:sldId id="274" r:id="rId12"/>
+    <p:sldId id="275" r:id="rId13"/>
+    <p:sldId id="276" r:id="rId14"/>
+    <p:sldId id="277" r:id="rId15"/>
+    <p:sldId id="278" r:id="rId16"/>
+    <p:sldId id="279" r:id="rId17"/>
+    <p:sldId id="280" r:id="rId18"/>
   </p:sldIdLst>
   <p:sldSz cx="12192000" cy="6858000"/>
   <p:notesSz cx="6858000" cy="9144000"/>
@@ -311,7 +320,7 @@
           <a:p>
             <a:fld id="{38F579FB-493E-4C94-8918-F7AF3ABE8A07}" type="datetimeFigureOut">
               <a:rPr lang="zh-TW" altLang="en-US" smtClean="0"/>
-              <a:t>2020/5/16</a:t>
+              <a:t>2022/12/10</a:t>
             </a:fld>
             <a:endParaRPr lang="zh-TW" altLang="en-US"/>
           </a:p>
@@ -481,7 +490,7 @@
           <a:p>
             <a:fld id="{38F579FB-493E-4C94-8918-F7AF3ABE8A07}" type="datetimeFigureOut">
               <a:rPr lang="zh-TW" altLang="en-US" smtClean="0"/>
-              <a:t>2020/5/16</a:t>
+              <a:t>2022/12/10</a:t>
             </a:fld>
             <a:endParaRPr lang="zh-TW" altLang="en-US"/>
           </a:p>
@@ -661,7 +670,7 @@
           <a:p>
             <a:fld id="{38F579FB-493E-4C94-8918-F7AF3ABE8A07}" type="datetimeFigureOut">
               <a:rPr lang="zh-TW" altLang="en-US" smtClean="0"/>
-              <a:t>2020/5/16</a:t>
+              <a:t>2022/12/10</a:t>
             </a:fld>
             <a:endParaRPr lang="zh-TW" altLang="en-US"/>
           </a:p>
@@ -831,7 +840,7 @@
           <a:p>
             <a:fld id="{38F579FB-493E-4C94-8918-F7AF3ABE8A07}" type="datetimeFigureOut">
               <a:rPr lang="zh-TW" altLang="en-US" smtClean="0"/>
-              <a:t>2020/5/16</a:t>
+              <a:t>2022/12/10</a:t>
             </a:fld>
             <a:endParaRPr lang="zh-TW" altLang="en-US"/>
           </a:p>
@@ -1077,7 +1086,7 @@
           <a:p>
             <a:fld id="{38F579FB-493E-4C94-8918-F7AF3ABE8A07}" type="datetimeFigureOut">
               <a:rPr lang="zh-TW" altLang="en-US" smtClean="0"/>
-              <a:t>2020/5/16</a:t>
+              <a:t>2022/12/10</a:t>
             </a:fld>
             <a:endParaRPr lang="zh-TW" altLang="en-US"/>
           </a:p>
@@ -1365,7 +1374,7 @@
           <a:p>
             <a:fld id="{38F579FB-493E-4C94-8918-F7AF3ABE8A07}" type="datetimeFigureOut">
               <a:rPr lang="zh-TW" altLang="en-US" smtClean="0"/>
-              <a:t>2020/5/16</a:t>
+              <a:t>2022/12/10</a:t>
             </a:fld>
             <a:endParaRPr lang="zh-TW" altLang="en-US"/>
           </a:p>
@@ -1787,7 +1796,7 @@
           <a:p>
             <a:fld id="{38F579FB-493E-4C94-8918-F7AF3ABE8A07}" type="datetimeFigureOut">
               <a:rPr lang="zh-TW" altLang="en-US" smtClean="0"/>
-              <a:t>2020/5/16</a:t>
+              <a:t>2022/12/10</a:t>
             </a:fld>
             <a:endParaRPr lang="zh-TW" altLang="en-US"/>
           </a:p>
@@ -1905,7 +1914,7 @@
           <a:p>
             <a:fld id="{38F579FB-493E-4C94-8918-F7AF3ABE8A07}" type="datetimeFigureOut">
               <a:rPr lang="zh-TW" altLang="en-US" smtClean="0"/>
-              <a:t>2020/5/16</a:t>
+              <a:t>2022/12/10</a:t>
             </a:fld>
             <a:endParaRPr lang="zh-TW" altLang="en-US"/>
           </a:p>
@@ -2000,7 +2009,7 @@
           <a:p>
             <a:fld id="{38F579FB-493E-4C94-8918-F7AF3ABE8A07}" type="datetimeFigureOut">
               <a:rPr lang="zh-TW" altLang="en-US" smtClean="0"/>
-              <a:t>2020/5/16</a:t>
+              <a:t>2022/12/10</a:t>
             </a:fld>
             <a:endParaRPr lang="zh-TW" altLang="en-US"/>
           </a:p>
@@ -2277,7 +2286,7 @@
           <a:p>
             <a:fld id="{38F579FB-493E-4C94-8918-F7AF3ABE8A07}" type="datetimeFigureOut">
               <a:rPr lang="zh-TW" altLang="en-US" smtClean="0"/>
-              <a:t>2020/5/16</a:t>
+              <a:t>2022/12/10</a:t>
             </a:fld>
             <a:endParaRPr lang="zh-TW" altLang="en-US"/>
           </a:p>
@@ -2534,7 +2543,7 @@
           <a:p>
             <a:fld id="{38F579FB-493E-4C94-8918-F7AF3ABE8A07}" type="datetimeFigureOut">
               <a:rPr lang="zh-TW" altLang="en-US" smtClean="0"/>
-              <a:t>2020/5/16</a:t>
+              <a:t>2022/12/10</a:t>
             </a:fld>
             <a:endParaRPr lang="zh-TW" altLang="en-US"/>
           </a:p>
@@ -2752,7 +2761,7 @@
           <a:p>
             <a:fld id="{38F579FB-493E-4C94-8918-F7AF3ABE8A07}" type="datetimeFigureOut">
               <a:rPr lang="zh-TW" altLang="en-US" smtClean="0"/>
-              <a:t>2020/5/16</a:t>
+              <a:t>2022/12/10</a:t>
             </a:fld>
             <a:endParaRPr lang="zh-TW" altLang="en-US"/>
           </a:p>
@@ -3137,103 +3146,222 @@
             <p:ph type="title"/>
           </p:nvPr>
         </p:nvSpPr>
-        <p:spPr/>
+        <p:spPr>
+          <a:xfrm>
+            <a:off x="0" y="2660915"/>
+            <a:ext cx="12192000" cy="1143000"/>
+          </a:xfrm>
+        </p:spPr>
         <p:txBody>
           <a:bodyPr>
+            <a:noAutofit/>
+          </a:bodyPr>
+          <a:lstStyle/>
+          <a:p>
+            <a:r>
+              <a:rPr lang="zh-CN" altLang="en-US" sz="5333" b="1" u="sng" dirty="0">
+                <a:solidFill>
+                  <a:srgbClr val="000066"/>
+                </a:solidFill>
+                <a:effectLst>
+                  <a:outerShdw blurRad="38100" dist="38100" dir="2700000" algn="tl">
+                    <a:srgbClr val="000000">
+                      <a:alpha val="43137"/>
+                    </a:srgbClr>
+                  </a:outerShdw>
+                </a:effectLst>
+                <a:latin typeface="微軟正黑體" pitchFamily="34" charset="-120"/>
+                <a:ea typeface="微軟正黑體" pitchFamily="34" charset="-120"/>
+              </a:rPr>
+              <a:t>宣道詩 </a:t>
+            </a:r>
+            <a:r>
+              <a:rPr lang="en-US" altLang="zh-CN" sz="5333" b="1" u="sng" dirty="0">
+                <a:solidFill>
+                  <a:srgbClr val="000066"/>
+                </a:solidFill>
+                <a:effectLst>
+                  <a:outerShdw blurRad="38100" dist="38100" dir="2700000" algn="tl">
+                    <a:srgbClr val="000000">
+                      <a:alpha val="43137"/>
+                    </a:srgbClr>
+                  </a:outerShdw>
+                </a:effectLst>
+                <a:latin typeface="微軟正黑體" pitchFamily="34" charset="-120"/>
+                <a:ea typeface="微軟正黑體" pitchFamily="34" charset="-120"/>
+              </a:rPr>
+              <a:t>75</a:t>
+            </a:r>
+            <a:r>
+              <a:rPr lang="en-US" altLang="zh-CN" sz="7200" b="1" i="1" dirty="0">
+                <a:solidFill>
+                  <a:srgbClr val="660033"/>
+                </a:solidFill>
+                <a:effectLst>
+                  <a:outerShdw blurRad="38100" dist="38100" dir="2700000" algn="tl">
+                    <a:srgbClr val="000000">
+                      <a:alpha val="43137"/>
+                    </a:srgbClr>
+                  </a:outerShdw>
+                </a:effectLst>
+                <a:latin typeface="微軟正黑體" pitchFamily="34" charset="-120"/>
+                <a:ea typeface="微軟正黑體" pitchFamily="34" charset="-120"/>
+              </a:rPr>
+              <a:t/>
+            </a:r>
+            <a:br>
+              <a:rPr lang="en-US" altLang="zh-CN" sz="7200" b="1" i="1" dirty="0">
+                <a:solidFill>
+                  <a:srgbClr val="660033"/>
+                </a:solidFill>
+                <a:effectLst>
+                  <a:outerShdw blurRad="38100" dist="38100" dir="2700000" algn="tl">
+                    <a:srgbClr val="000000">
+                      <a:alpha val="43137"/>
+                    </a:srgbClr>
+                  </a:outerShdw>
+                </a:effectLst>
+                <a:latin typeface="微軟正黑體" pitchFamily="34" charset="-120"/>
+                <a:ea typeface="微軟正黑體" pitchFamily="34" charset="-120"/>
+              </a:rPr>
+            </a:br>
+            <a:r>
+              <a:rPr lang="zh-TW" altLang="en-US" sz="8000" b="1" dirty="0">
+                <a:solidFill>
+                  <a:srgbClr val="660033"/>
+                </a:solidFill>
+                <a:effectLst>
+                  <a:outerShdw blurRad="38100" dist="38100" dir="2700000" algn="tl">
+                    <a:srgbClr val="000000">
+                      <a:alpha val="43137"/>
+                    </a:srgbClr>
+                  </a:outerShdw>
+                </a:effectLst>
+                <a:latin typeface="微軟正黑體" pitchFamily="34" charset="-120"/>
+                <a:ea typeface="微軟正黑體" pitchFamily="34" charset="-120"/>
+              </a:rPr>
+              <a:t>耶</a:t>
+            </a:r>
+            <a:r>
+              <a:rPr lang="zh-TW" altLang="en-US" sz="8000" b="1" dirty="0">
+                <a:solidFill>
+                  <a:srgbClr val="660033"/>
+                </a:solidFill>
+                <a:effectLst>
+                  <a:outerShdw blurRad="38100" dist="38100" dir="2700000" algn="tl">
+                    <a:srgbClr val="000000">
+                      <a:alpha val="43137"/>
+                    </a:srgbClr>
+                  </a:outerShdw>
+                </a:effectLst>
+                <a:latin typeface="微軟正黑體" pitchFamily="34" charset="-120"/>
+                <a:ea typeface="微軟正黑體" pitchFamily="34" charset="-120"/>
+              </a:rPr>
+              <a:t>穌領我</a:t>
+            </a:r>
+          </a:p>
+        </p:txBody>
+      </p:sp>
+    </p:spTree>
+    <p:extLst>
+      <p:ext uri="{BB962C8B-B14F-4D97-AF65-F5344CB8AC3E}">
+        <p14:creationId xmlns:p14="http://schemas.microsoft.com/office/powerpoint/2010/main" val="2655785285"/>
+      </p:ext>
+    </p:extLst>
+  </p:cSld>
+  <p:clrMapOvr>
+    <a:masterClrMapping/>
+  </p:clrMapOvr>
+  <p:timing>
+    <p:tnLst>
+      <p:par>
+        <p:cTn id="1" dur="indefinite" restart="never" nodeType="tmRoot"/>
+      </p:par>
+    </p:tnLst>
+  </p:timing>
+</p:sld>
+</file>
+
+<file path=ppt/slides/slide10.xml><?xml version="1.0" encoding="utf-8"?>
+<p:sld xmlns:a="http://schemas.openxmlformats.org/drawingml/2006/main" xmlns:r="http://schemas.openxmlformats.org/officeDocument/2006/relationships" xmlns:p="http://schemas.openxmlformats.org/presentationml/2006/main">
+  <p:cSld>
+    <p:spTree>
+      <p:nvGrpSpPr>
+        <p:cNvPr id="1" name=""/>
+        <p:cNvGrpSpPr/>
+        <p:nvPr/>
+      </p:nvGrpSpPr>
+      <p:grpSpPr>
+        <a:xfrm>
+          <a:off x="0" y="0"/>
+          <a:ext cx="0" cy="0"/>
+          <a:chOff x="0" y="0"/>
+          <a:chExt cx="0" cy="0"/>
+        </a:xfrm>
+      </p:grpSpPr>
+      <p:sp>
+        <p:nvSpPr>
+          <p:cNvPr id="5" name="內容版面配置區 4"/>
+          <p:cNvSpPr>
+            <a:spLocks noGrp="1"/>
+          </p:cNvSpPr>
+          <p:nvPr>
+            <p:ph idx="1"/>
+          </p:nvPr>
+        </p:nvSpPr>
+        <p:spPr>
+          <a:xfrm>
+            <a:off x="0" y="2084851"/>
+            <a:ext cx="12192000" cy="2404863"/>
+          </a:xfrm>
+        </p:spPr>
+        <p:txBody>
+          <a:bodyPr anchor="ctr">
             <a:normAutofit/>
           </a:bodyPr>
           <a:lstStyle/>
           <a:p>
-            <a:r>
-              <a:rPr lang="zh-TW" altLang="en-US" sz="4800" b="1" dirty="0" smtClean="0">
-                <a:latin typeface="Microsoft JhengHei" panose="020B0604030504040204" pitchFamily="34" charset="-120"/>
-                <a:ea typeface="Microsoft JhengHei" panose="020B0604030504040204" pitchFamily="34" charset="-120"/>
+            <a:pPr algn="ctr">
+              <a:buNone/>
+            </a:pPr>
+            <a:r>
+              <a:rPr lang="zh-TW" altLang="en-US" sz="6400" b="1" dirty="0">
+                <a:solidFill>
+                  <a:srgbClr val="660033"/>
+                </a:solidFill>
+                <a:latin typeface="Microsoft JhengHei" pitchFamily="34" charset="-120"/>
+                <a:ea typeface="Microsoft JhengHei" pitchFamily="34" charset="-120"/>
               </a:rPr>
-              <a:t>耶穌領我</a:t>
-            </a:r>
-            <a:endParaRPr lang="zh-TW" altLang="en-US" sz="4800" b="1" dirty="0">
-              <a:latin typeface="Microsoft JhengHei" panose="020B0604030504040204" pitchFamily="34" charset="-120"/>
-              <a:ea typeface="Microsoft JhengHei" panose="020B0604030504040204" pitchFamily="34" charset="-120"/>
-            </a:endParaRPr>
-          </a:p>
-        </p:txBody>
-      </p:sp>
-      <p:sp>
-        <p:nvSpPr>
-          <p:cNvPr id="5" name="內容版面配置區 4"/>
-          <p:cNvSpPr>
-            <a:spLocks noGrp="1"/>
-          </p:cNvSpPr>
-          <p:nvPr>
-            <p:ph idx="1"/>
-          </p:nvPr>
-        </p:nvSpPr>
-        <p:spPr/>
-        <p:txBody>
-          <a:bodyPr>
-            <a:normAutofit/>
-          </a:bodyPr>
-          <a:lstStyle/>
+              <a:t>願拉主手同走一生</a:t>
+            </a:r>
+          </a:p>
           <a:p>
             <a:pPr algn="ctr">
               <a:buNone/>
             </a:pPr>
             <a:r>
-              <a:rPr lang="zh-TW" altLang="en-US" sz="5400" b="1" dirty="0">
-                <a:latin typeface="Microsoft JhengHei" panose="020B0604030504040204" pitchFamily="34" charset="-120"/>
-                <a:ea typeface="Microsoft JhengHei" panose="020B0604030504040204" pitchFamily="34" charset="-120"/>
+              <a:rPr lang="zh-TW" altLang="en-US" sz="6400" b="1" dirty="0">
+                <a:solidFill>
+                  <a:srgbClr val="660033"/>
+                </a:solidFill>
+                <a:latin typeface="Microsoft JhengHei" pitchFamily="34" charset="-120"/>
+                <a:ea typeface="Microsoft JhengHei" pitchFamily="34" charset="-120"/>
               </a:rPr>
-              <a:t>耶穌領我我心歡喜</a:t>
-            </a:r>
-          </a:p>
-          <a:p>
-            <a:pPr algn="ctr">
-              <a:buNone/>
-            </a:pPr>
-            <a:r>
-              <a:rPr lang="zh-TW" altLang="en-US" sz="5400" b="1" dirty="0">
-                <a:latin typeface="Microsoft JhengHei" panose="020B0604030504040204" pitchFamily="34" charset="-120"/>
-                <a:ea typeface="Microsoft JhengHei" panose="020B0604030504040204" pitchFamily="34" charset="-120"/>
-              </a:rPr>
-              <a:t>蒙主引導平安無比</a:t>
-            </a:r>
-          </a:p>
-          <a:p>
-            <a:pPr algn="ctr">
-              <a:buNone/>
-            </a:pPr>
-            <a:r>
-              <a:rPr lang="zh-TW" altLang="en-US" sz="5400" b="1" dirty="0">
-                <a:latin typeface="Microsoft JhengHei" panose="020B0604030504040204" pitchFamily="34" charset="-120"/>
-                <a:ea typeface="Microsoft JhengHei" panose="020B0604030504040204" pitchFamily="34" charset="-120"/>
-              </a:rPr>
-              <a:t>無論日夜動靜起坐</a:t>
-            </a:r>
-          </a:p>
-          <a:p>
-            <a:pPr algn="ctr">
-              <a:buNone/>
-            </a:pPr>
-            <a:r>
-              <a:rPr lang="zh-TW" altLang="en-US" sz="5400" b="1" dirty="0">
-                <a:latin typeface="Microsoft JhengHei" panose="020B0604030504040204" pitchFamily="34" charset="-120"/>
-                <a:ea typeface="Microsoft JhengHei" panose="020B0604030504040204" pitchFamily="34" charset="-120"/>
-              </a:rPr>
-              <a:t>有主耶穌時常領我</a:t>
-            </a:r>
-          </a:p>
-        </p:txBody>
-      </p:sp>
-      <p:sp>
-        <p:nvSpPr>
-          <p:cNvPr id="2" name="TextBox 1"/>
+              <a:t>從這地步直到天城</a:t>
+            </a:r>
+          </a:p>
+        </p:txBody>
+      </p:sp>
+      <p:sp>
+        <p:nvSpPr>
+          <p:cNvPr id="3" name="TextBox 2"/>
           <p:cNvSpPr txBox="1"/>
           <p:nvPr/>
         </p:nvSpPr>
         <p:spPr>
           <a:xfrm>
-            <a:off x="1271464" y="1625105"/>
-            <a:ext cx="936104" cy="923330"/>
+            <a:off x="0" y="5061181"/>
+            <a:ext cx="12192000" cy="748988"/>
           </a:xfrm>
           <a:prstGeom prst="rect">
             <a:avLst/>
@@ -3246,19 +3374,801 @@
           </a:bodyPr>
           <a:lstStyle/>
           <a:p>
-            <a:r>
-              <a:rPr lang="en-US" sz="5400" b="1" dirty="0" smtClean="0"/>
-              <a:t>1.</a:t>
-            </a:r>
-            <a:endParaRPr lang="vi-VN" sz="5400" b="1" dirty="0"/>
+            <a:pPr algn="ctr"/>
+            <a:r>
+              <a:rPr lang="en-US" sz="4267" b="1" dirty="0">
+                <a:solidFill>
+                  <a:srgbClr val="660033"/>
+                </a:solidFill>
+              </a:rPr>
+              <a:t>( 3 / 4 )</a:t>
+            </a:r>
+            <a:endParaRPr lang="vi-VN" sz="4267" b="1" dirty="0">
+              <a:solidFill>
+                <a:srgbClr val="660033"/>
+              </a:solidFill>
+            </a:endParaRPr>
           </a:p>
         </p:txBody>
       </p:sp>
     </p:spTree>
+    <p:extLst>
+      <p:ext uri="{BB962C8B-B14F-4D97-AF65-F5344CB8AC3E}">
+        <p14:creationId xmlns:p14="http://schemas.microsoft.com/office/powerpoint/2010/main" val="2121359574"/>
+      </p:ext>
+    </p:extLst>
   </p:cSld>
   <p:clrMapOvr>
     <a:masterClrMapping/>
   </p:clrMapOvr>
+  <p:timing>
+    <p:tnLst>
+      <p:par>
+        <p:cTn id="1" dur="indefinite" restart="never" nodeType="tmRoot"/>
+      </p:par>
+    </p:tnLst>
+  </p:timing>
+</p:sld>
+</file>
+
+<file path=ppt/slides/slide11.xml><?xml version="1.0" encoding="utf-8"?>
+<p:sld xmlns:a="http://schemas.openxmlformats.org/drawingml/2006/main" xmlns:r="http://schemas.openxmlformats.org/officeDocument/2006/relationships" xmlns:p="http://schemas.openxmlformats.org/presentationml/2006/main">
+  <p:cSld>
+    <p:spTree>
+      <p:nvGrpSpPr>
+        <p:cNvPr id="1" name=""/>
+        <p:cNvGrpSpPr/>
+        <p:nvPr/>
+      </p:nvGrpSpPr>
+      <p:grpSpPr>
+        <a:xfrm>
+          <a:off x="0" y="0"/>
+          <a:ext cx="0" cy="0"/>
+          <a:chOff x="0" y="0"/>
+          <a:chExt cx="0" cy="0"/>
+        </a:xfrm>
+      </p:grpSpPr>
+      <p:sp>
+        <p:nvSpPr>
+          <p:cNvPr id="5" name="內容版面配置區 4"/>
+          <p:cNvSpPr>
+            <a:spLocks noGrp="1"/>
+          </p:cNvSpPr>
+          <p:nvPr>
+            <p:ph idx="1"/>
+          </p:nvPr>
+        </p:nvSpPr>
+        <p:spPr>
+          <a:xfrm>
+            <a:off x="0" y="2084851"/>
+            <a:ext cx="12192000" cy="2404863"/>
+          </a:xfrm>
+        </p:spPr>
+        <p:txBody>
+          <a:bodyPr anchor="ctr">
+            <a:normAutofit/>
+          </a:bodyPr>
+          <a:lstStyle/>
+          <a:p>
+            <a:pPr algn="ctr">
+              <a:buNone/>
+            </a:pPr>
+            <a:r>
+              <a:rPr lang="zh-TW" altLang="en-US" sz="6400" b="1" dirty="0">
+                <a:solidFill>
+                  <a:srgbClr val="660033"/>
+                </a:solidFill>
+                <a:latin typeface="Microsoft JhengHei" pitchFamily="34" charset="-120"/>
+                <a:ea typeface="Microsoft JhengHei" pitchFamily="34" charset="-120"/>
+              </a:rPr>
+              <a:t>遇苦見福兩般皆可</a:t>
+            </a:r>
+          </a:p>
+          <a:p>
+            <a:pPr algn="ctr">
+              <a:buNone/>
+            </a:pPr>
+            <a:r>
+              <a:rPr lang="zh-TW" altLang="en-US" sz="6400" b="1" dirty="0">
+                <a:solidFill>
+                  <a:srgbClr val="660033"/>
+                </a:solidFill>
+                <a:latin typeface="Microsoft JhengHei" pitchFamily="34" charset="-120"/>
+                <a:ea typeface="Microsoft JhengHei" pitchFamily="34" charset="-120"/>
+              </a:rPr>
+              <a:t>因主耶穌聖手領我</a:t>
+            </a:r>
+          </a:p>
+        </p:txBody>
+      </p:sp>
+      <p:sp>
+        <p:nvSpPr>
+          <p:cNvPr id="3" name="TextBox 2"/>
+          <p:cNvSpPr txBox="1"/>
+          <p:nvPr/>
+        </p:nvSpPr>
+        <p:spPr>
+          <a:xfrm>
+            <a:off x="0" y="5061181"/>
+            <a:ext cx="12192000" cy="748988"/>
+          </a:xfrm>
+          <a:prstGeom prst="rect">
+            <a:avLst/>
+          </a:prstGeom>
+          <a:noFill/>
+        </p:spPr>
+        <p:txBody>
+          <a:bodyPr wrap="square" rtlCol="0">
+            <a:spAutoFit/>
+          </a:bodyPr>
+          <a:lstStyle/>
+          <a:p>
+            <a:pPr algn="ctr"/>
+            <a:r>
+              <a:rPr lang="en-US" sz="4267" b="1" dirty="0">
+                <a:solidFill>
+                  <a:srgbClr val="660033"/>
+                </a:solidFill>
+              </a:rPr>
+              <a:t>( 3 / 4 )</a:t>
+            </a:r>
+            <a:endParaRPr lang="vi-VN" sz="4267" b="1" dirty="0">
+              <a:solidFill>
+                <a:srgbClr val="660033"/>
+              </a:solidFill>
+            </a:endParaRPr>
+          </a:p>
+        </p:txBody>
+      </p:sp>
+    </p:spTree>
+    <p:extLst>
+      <p:ext uri="{BB962C8B-B14F-4D97-AF65-F5344CB8AC3E}">
+        <p14:creationId xmlns:p14="http://schemas.microsoft.com/office/powerpoint/2010/main" val="3671426210"/>
+      </p:ext>
+    </p:extLst>
+  </p:cSld>
+  <p:clrMapOvr>
+    <a:masterClrMapping/>
+  </p:clrMapOvr>
+  <p:timing>
+    <p:tnLst>
+      <p:par>
+        <p:cTn id="1" dur="indefinite" restart="never" nodeType="tmRoot"/>
+      </p:par>
+    </p:tnLst>
+  </p:timing>
+</p:sld>
+</file>
+
+<file path=ppt/slides/slide12.xml><?xml version="1.0" encoding="utf-8"?>
+<p:sld xmlns:a="http://schemas.openxmlformats.org/drawingml/2006/main" xmlns:r="http://schemas.openxmlformats.org/officeDocument/2006/relationships" xmlns:p="http://schemas.openxmlformats.org/presentationml/2006/main">
+  <p:cSld>
+    <p:spTree>
+      <p:nvGrpSpPr>
+        <p:cNvPr id="1" name=""/>
+        <p:cNvGrpSpPr/>
+        <p:nvPr/>
+      </p:nvGrpSpPr>
+      <p:grpSpPr>
+        <a:xfrm>
+          <a:off x="0" y="0"/>
+          <a:ext cx="0" cy="0"/>
+          <a:chOff x="0" y="0"/>
+          <a:chExt cx="0" cy="0"/>
+        </a:xfrm>
+      </p:grpSpPr>
+      <p:sp>
+        <p:nvSpPr>
+          <p:cNvPr id="5" name="內容版面配置區 4"/>
+          <p:cNvSpPr>
+            <a:spLocks noGrp="1"/>
+          </p:cNvSpPr>
+          <p:nvPr>
+            <p:ph idx="1"/>
+          </p:nvPr>
+        </p:nvSpPr>
+        <p:spPr>
+          <a:xfrm>
+            <a:off x="0" y="2084851"/>
+            <a:ext cx="12192000" cy="2404863"/>
+          </a:xfrm>
+        </p:spPr>
+        <p:txBody>
+          <a:bodyPr anchor="ctr">
+            <a:normAutofit/>
+          </a:bodyPr>
+          <a:lstStyle/>
+          <a:p>
+            <a:pPr algn="ctr">
+              <a:buNone/>
+            </a:pPr>
+            <a:r>
+              <a:rPr lang="zh-TW" altLang="en-US" sz="6400" b="1" dirty="0">
+                <a:solidFill>
+                  <a:srgbClr val="660033"/>
+                </a:solidFill>
+                <a:latin typeface="Microsoft JhengHei" pitchFamily="34" charset="-120"/>
+                <a:ea typeface="Microsoft JhengHei" pitchFamily="34" charset="-120"/>
+              </a:rPr>
+              <a:t>耶穌領我日日領我</a:t>
+            </a:r>
+          </a:p>
+          <a:p>
+            <a:pPr algn="ctr">
+              <a:buNone/>
+            </a:pPr>
+            <a:r>
+              <a:rPr lang="zh-TW" altLang="en-US" sz="6400" b="1" dirty="0">
+                <a:solidFill>
+                  <a:srgbClr val="660033"/>
+                </a:solidFill>
+                <a:latin typeface="Microsoft JhengHei" pitchFamily="34" charset="-120"/>
+                <a:ea typeface="Microsoft JhengHei" pitchFamily="34" charset="-120"/>
+              </a:rPr>
+              <a:t>耶穌恩主親手領我</a:t>
+            </a:r>
+          </a:p>
+        </p:txBody>
+      </p:sp>
+    </p:spTree>
+    <p:extLst>
+      <p:ext uri="{BB962C8B-B14F-4D97-AF65-F5344CB8AC3E}">
+        <p14:creationId xmlns:p14="http://schemas.microsoft.com/office/powerpoint/2010/main" val="2626645309"/>
+      </p:ext>
+    </p:extLst>
+  </p:cSld>
+  <p:clrMapOvr>
+    <a:masterClrMapping/>
+  </p:clrMapOvr>
+  <p:timing>
+    <p:tnLst>
+      <p:par>
+        <p:cTn id="1" dur="indefinite" restart="never" nodeType="tmRoot"/>
+      </p:par>
+    </p:tnLst>
+  </p:timing>
+</p:sld>
+</file>
+
+<file path=ppt/slides/slide13.xml><?xml version="1.0" encoding="utf-8"?>
+<p:sld xmlns:a="http://schemas.openxmlformats.org/drawingml/2006/main" xmlns:r="http://schemas.openxmlformats.org/officeDocument/2006/relationships" xmlns:p="http://schemas.openxmlformats.org/presentationml/2006/main">
+  <p:cSld>
+    <p:spTree>
+      <p:nvGrpSpPr>
+        <p:cNvPr id="1" name=""/>
+        <p:cNvGrpSpPr/>
+        <p:nvPr/>
+      </p:nvGrpSpPr>
+      <p:grpSpPr>
+        <a:xfrm>
+          <a:off x="0" y="0"/>
+          <a:ext cx="0" cy="0"/>
+          <a:chOff x="0" y="0"/>
+          <a:chExt cx="0" cy="0"/>
+        </a:xfrm>
+      </p:grpSpPr>
+      <p:sp>
+        <p:nvSpPr>
+          <p:cNvPr id="5" name="內容版面配置區 4"/>
+          <p:cNvSpPr>
+            <a:spLocks noGrp="1"/>
+          </p:cNvSpPr>
+          <p:nvPr>
+            <p:ph idx="1"/>
+          </p:nvPr>
+        </p:nvSpPr>
+        <p:spPr>
+          <a:xfrm>
+            <a:off x="0" y="2084851"/>
+            <a:ext cx="12192000" cy="2404863"/>
+          </a:xfrm>
+        </p:spPr>
+        <p:txBody>
+          <a:bodyPr anchor="ctr">
+            <a:normAutofit/>
+          </a:bodyPr>
+          <a:lstStyle/>
+          <a:p>
+            <a:pPr algn="ctr">
+              <a:buNone/>
+            </a:pPr>
+            <a:r>
+              <a:rPr lang="zh-TW" altLang="en-US" sz="6400" b="1" dirty="0">
+                <a:solidFill>
+                  <a:srgbClr val="660033"/>
+                </a:solidFill>
+                <a:latin typeface="Microsoft JhengHei" pitchFamily="34" charset="-120"/>
+                <a:ea typeface="Microsoft JhengHei" pitchFamily="34" charset="-120"/>
+              </a:rPr>
+              <a:t>我願終身跟主腳蹤</a:t>
+            </a:r>
+          </a:p>
+          <a:p>
+            <a:pPr algn="ctr">
+              <a:buNone/>
+            </a:pPr>
+            <a:r>
+              <a:rPr lang="zh-TW" altLang="en-US" sz="6400" b="1" dirty="0">
+                <a:solidFill>
+                  <a:srgbClr val="660033"/>
+                </a:solidFill>
+                <a:latin typeface="Microsoft JhengHei" pitchFamily="34" charset="-120"/>
+                <a:ea typeface="Microsoft JhengHei" pitchFamily="34" charset="-120"/>
+              </a:rPr>
+              <a:t>因蒙恩主親手領我</a:t>
+            </a:r>
+          </a:p>
+        </p:txBody>
+      </p:sp>
+    </p:spTree>
+    <p:extLst>
+      <p:ext uri="{BB962C8B-B14F-4D97-AF65-F5344CB8AC3E}">
+        <p14:creationId xmlns:p14="http://schemas.microsoft.com/office/powerpoint/2010/main" val="3020007437"/>
+      </p:ext>
+    </p:extLst>
+  </p:cSld>
+  <p:clrMapOvr>
+    <a:masterClrMapping/>
+  </p:clrMapOvr>
+  <p:timing>
+    <p:tnLst>
+      <p:par>
+        <p:cTn id="1" dur="indefinite" restart="never" nodeType="tmRoot"/>
+      </p:par>
+    </p:tnLst>
+  </p:timing>
+</p:sld>
+</file>
+
+<file path=ppt/slides/slide14.xml><?xml version="1.0" encoding="utf-8"?>
+<p:sld xmlns:a="http://schemas.openxmlformats.org/drawingml/2006/main" xmlns:r="http://schemas.openxmlformats.org/officeDocument/2006/relationships" xmlns:p="http://schemas.openxmlformats.org/presentationml/2006/main">
+  <p:cSld>
+    <p:spTree>
+      <p:nvGrpSpPr>
+        <p:cNvPr id="1" name=""/>
+        <p:cNvGrpSpPr/>
+        <p:nvPr/>
+      </p:nvGrpSpPr>
+      <p:grpSpPr>
+        <a:xfrm>
+          <a:off x="0" y="0"/>
+          <a:ext cx="0" cy="0"/>
+          <a:chOff x="0" y="0"/>
+          <a:chExt cx="0" cy="0"/>
+        </a:xfrm>
+      </p:grpSpPr>
+      <p:sp>
+        <p:nvSpPr>
+          <p:cNvPr id="5" name="內容版面配置區 4"/>
+          <p:cNvSpPr>
+            <a:spLocks noGrp="1"/>
+          </p:cNvSpPr>
+          <p:nvPr>
+            <p:ph idx="1"/>
+          </p:nvPr>
+        </p:nvSpPr>
+        <p:spPr>
+          <a:xfrm>
+            <a:off x="0" y="2084851"/>
+            <a:ext cx="12192000" cy="2404863"/>
+          </a:xfrm>
+        </p:spPr>
+        <p:txBody>
+          <a:bodyPr anchor="ctr">
+            <a:normAutofit/>
+          </a:bodyPr>
+          <a:lstStyle/>
+          <a:p>
+            <a:pPr algn="ctr">
+              <a:buNone/>
+            </a:pPr>
+            <a:r>
+              <a:rPr lang="zh-CN" altLang="en-US" sz="6400" b="1" dirty="0">
+                <a:solidFill>
+                  <a:srgbClr val="660033"/>
+                </a:solidFill>
+                <a:latin typeface="Microsoft JhengHei" pitchFamily="34" charset="-120"/>
+                <a:ea typeface="Microsoft JhengHei" pitchFamily="34" charset="-120"/>
+              </a:rPr>
+              <a:t>到時行完一世路程</a:t>
+            </a:r>
+            <a:endParaRPr lang="zh-TW" altLang="en-US" sz="6400" b="1" dirty="0">
+              <a:solidFill>
+                <a:srgbClr val="660033"/>
+              </a:solidFill>
+              <a:latin typeface="Microsoft JhengHei" pitchFamily="34" charset="-120"/>
+              <a:ea typeface="Microsoft JhengHei" pitchFamily="34" charset="-120"/>
+            </a:endParaRPr>
+          </a:p>
+          <a:p>
+            <a:pPr algn="ctr">
+              <a:buNone/>
+            </a:pPr>
+            <a:r>
+              <a:rPr lang="zh-CN" altLang="en-US" sz="6400" b="1" dirty="0">
+                <a:solidFill>
+                  <a:srgbClr val="660033"/>
+                </a:solidFill>
+                <a:latin typeface="Microsoft JhengHei" pitchFamily="34" charset="-120"/>
+                <a:ea typeface="Microsoft JhengHei" pitchFamily="34" charset="-120"/>
+              </a:rPr>
+              <a:t>內惡外敵靠主全勝</a:t>
+            </a:r>
+            <a:endParaRPr lang="zh-TW" altLang="en-US" sz="6400" b="1" dirty="0">
+              <a:solidFill>
+                <a:srgbClr val="660033"/>
+              </a:solidFill>
+              <a:latin typeface="Microsoft JhengHei" pitchFamily="34" charset="-120"/>
+              <a:ea typeface="Microsoft JhengHei" pitchFamily="34" charset="-120"/>
+            </a:endParaRPr>
+          </a:p>
+        </p:txBody>
+      </p:sp>
+      <p:sp>
+        <p:nvSpPr>
+          <p:cNvPr id="3" name="TextBox 2"/>
+          <p:cNvSpPr txBox="1"/>
+          <p:nvPr/>
+        </p:nvSpPr>
+        <p:spPr>
+          <a:xfrm>
+            <a:off x="0" y="5061181"/>
+            <a:ext cx="12192000" cy="748988"/>
+          </a:xfrm>
+          <a:prstGeom prst="rect">
+            <a:avLst/>
+          </a:prstGeom>
+          <a:noFill/>
+        </p:spPr>
+        <p:txBody>
+          <a:bodyPr wrap="square" rtlCol="0">
+            <a:spAutoFit/>
+          </a:bodyPr>
+          <a:lstStyle/>
+          <a:p>
+            <a:pPr algn="ctr"/>
+            <a:r>
+              <a:rPr lang="en-US" sz="4267" b="1" dirty="0">
+                <a:solidFill>
+                  <a:srgbClr val="660033"/>
+                </a:solidFill>
+              </a:rPr>
+              <a:t>( 4 / 4 )</a:t>
+            </a:r>
+            <a:endParaRPr lang="vi-VN" sz="4267" b="1" dirty="0">
+              <a:solidFill>
+                <a:srgbClr val="660033"/>
+              </a:solidFill>
+            </a:endParaRPr>
+          </a:p>
+        </p:txBody>
+      </p:sp>
+    </p:spTree>
+    <p:extLst>
+      <p:ext uri="{BB962C8B-B14F-4D97-AF65-F5344CB8AC3E}">
+        <p14:creationId xmlns:p14="http://schemas.microsoft.com/office/powerpoint/2010/main" val="1211995451"/>
+      </p:ext>
+    </p:extLst>
+  </p:cSld>
+  <p:clrMapOvr>
+    <a:masterClrMapping/>
+  </p:clrMapOvr>
+  <p:timing>
+    <p:tnLst>
+      <p:par>
+        <p:cTn id="1" dur="indefinite" restart="never" nodeType="tmRoot"/>
+      </p:par>
+    </p:tnLst>
+  </p:timing>
+</p:sld>
+</file>
+
+<file path=ppt/slides/slide15.xml><?xml version="1.0" encoding="utf-8"?>
+<p:sld xmlns:a="http://schemas.openxmlformats.org/drawingml/2006/main" xmlns:r="http://schemas.openxmlformats.org/officeDocument/2006/relationships" xmlns:p="http://schemas.openxmlformats.org/presentationml/2006/main">
+  <p:cSld>
+    <p:spTree>
+      <p:nvGrpSpPr>
+        <p:cNvPr id="1" name=""/>
+        <p:cNvGrpSpPr/>
+        <p:nvPr/>
+      </p:nvGrpSpPr>
+      <p:grpSpPr>
+        <a:xfrm>
+          <a:off x="0" y="0"/>
+          <a:ext cx="0" cy="0"/>
+          <a:chOff x="0" y="0"/>
+          <a:chExt cx="0" cy="0"/>
+        </a:xfrm>
+      </p:grpSpPr>
+      <p:sp>
+        <p:nvSpPr>
+          <p:cNvPr id="5" name="內容版面配置區 4"/>
+          <p:cNvSpPr>
+            <a:spLocks noGrp="1"/>
+          </p:cNvSpPr>
+          <p:nvPr>
+            <p:ph idx="1"/>
+          </p:nvPr>
+        </p:nvSpPr>
+        <p:spPr>
+          <a:xfrm>
+            <a:off x="0" y="2084851"/>
+            <a:ext cx="12192000" cy="2404863"/>
+          </a:xfrm>
+        </p:spPr>
+        <p:txBody>
+          <a:bodyPr anchor="ctr">
+            <a:normAutofit/>
+          </a:bodyPr>
+          <a:lstStyle/>
+          <a:p>
+            <a:pPr algn="ctr">
+              <a:buNone/>
+            </a:pPr>
+            <a:r>
+              <a:rPr lang="zh-TW" altLang="en-US" sz="6400" b="1" dirty="0">
+                <a:solidFill>
+                  <a:srgbClr val="660033"/>
+                </a:solidFill>
+                <a:latin typeface="Microsoft JhengHei" pitchFamily="34" charset="-120"/>
+                <a:ea typeface="Microsoft JhengHei" pitchFamily="34" charset="-120"/>
+              </a:rPr>
+              <a:t>死如冷河我不怕過</a:t>
+            </a:r>
+          </a:p>
+          <a:p>
+            <a:pPr algn="ctr">
+              <a:buNone/>
+            </a:pPr>
+            <a:r>
+              <a:rPr lang="zh-TW" altLang="en-US" sz="6400" b="1" dirty="0">
+                <a:solidFill>
+                  <a:srgbClr val="660033"/>
+                </a:solidFill>
+                <a:latin typeface="Microsoft JhengHei" pitchFamily="34" charset="-120"/>
+                <a:ea typeface="Microsoft JhengHei" pitchFamily="34" charset="-120"/>
+              </a:rPr>
+              <a:t>獨賴耶穌至終領我</a:t>
+            </a:r>
+          </a:p>
+        </p:txBody>
+      </p:sp>
+      <p:sp>
+        <p:nvSpPr>
+          <p:cNvPr id="3" name="TextBox 2"/>
+          <p:cNvSpPr txBox="1"/>
+          <p:nvPr/>
+        </p:nvSpPr>
+        <p:spPr>
+          <a:xfrm>
+            <a:off x="0" y="5061181"/>
+            <a:ext cx="12192000" cy="748988"/>
+          </a:xfrm>
+          <a:prstGeom prst="rect">
+            <a:avLst/>
+          </a:prstGeom>
+          <a:noFill/>
+        </p:spPr>
+        <p:txBody>
+          <a:bodyPr wrap="square" rtlCol="0">
+            <a:spAutoFit/>
+          </a:bodyPr>
+          <a:lstStyle/>
+          <a:p>
+            <a:pPr algn="ctr"/>
+            <a:r>
+              <a:rPr lang="en-US" sz="4267" b="1" dirty="0">
+                <a:solidFill>
+                  <a:srgbClr val="660033"/>
+                </a:solidFill>
+              </a:rPr>
+              <a:t>( 4 / 4 )</a:t>
+            </a:r>
+            <a:endParaRPr lang="vi-VN" sz="4267" b="1" dirty="0">
+              <a:solidFill>
+                <a:srgbClr val="660033"/>
+              </a:solidFill>
+            </a:endParaRPr>
+          </a:p>
+        </p:txBody>
+      </p:sp>
+    </p:spTree>
+    <p:extLst>
+      <p:ext uri="{BB962C8B-B14F-4D97-AF65-F5344CB8AC3E}">
+        <p14:creationId xmlns:p14="http://schemas.microsoft.com/office/powerpoint/2010/main" val="3362027601"/>
+      </p:ext>
+    </p:extLst>
+  </p:cSld>
+  <p:clrMapOvr>
+    <a:masterClrMapping/>
+  </p:clrMapOvr>
+  <p:timing>
+    <p:tnLst>
+      <p:par>
+        <p:cTn id="1" dur="indefinite" restart="never" nodeType="tmRoot"/>
+      </p:par>
+    </p:tnLst>
+  </p:timing>
+</p:sld>
+</file>
+
+<file path=ppt/slides/slide16.xml><?xml version="1.0" encoding="utf-8"?>
+<p:sld xmlns:a="http://schemas.openxmlformats.org/drawingml/2006/main" xmlns:r="http://schemas.openxmlformats.org/officeDocument/2006/relationships" xmlns:p="http://schemas.openxmlformats.org/presentationml/2006/main">
+  <p:cSld>
+    <p:spTree>
+      <p:nvGrpSpPr>
+        <p:cNvPr id="1" name=""/>
+        <p:cNvGrpSpPr/>
+        <p:nvPr/>
+      </p:nvGrpSpPr>
+      <p:grpSpPr>
+        <a:xfrm>
+          <a:off x="0" y="0"/>
+          <a:ext cx="0" cy="0"/>
+          <a:chOff x="0" y="0"/>
+          <a:chExt cx="0" cy="0"/>
+        </a:xfrm>
+      </p:grpSpPr>
+      <p:sp>
+        <p:nvSpPr>
+          <p:cNvPr id="5" name="內容版面配置區 4"/>
+          <p:cNvSpPr>
+            <a:spLocks noGrp="1"/>
+          </p:cNvSpPr>
+          <p:nvPr>
+            <p:ph idx="1"/>
+          </p:nvPr>
+        </p:nvSpPr>
+        <p:spPr>
+          <a:xfrm>
+            <a:off x="0" y="2084851"/>
+            <a:ext cx="12192000" cy="2404863"/>
+          </a:xfrm>
+        </p:spPr>
+        <p:txBody>
+          <a:bodyPr anchor="ctr">
+            <a:normAutofit/>
+          </a:bodyPr>
+          <a:lstStyle/>
+          <a:p>
+            <a:pPr algn="ctr">
+              <a:buNone/>
+            </a:pPr>
+            <a:r>
+              <a:rPr lang="zh-TW" altLang="en-US" sz="6400" b="1" dirty="0">
+                <a:solidFill>
+                  <a:srgbClr val="660033"/>
+                </a:solidFill>
+                <a:latin typeface="Microsoft JhengHei" pitchFamily="34" charset="-120"/>
+                <a:ea typeface="Microsoft JhengHei" pitchFamily="34" charset="-120"/>
+              </a:rPr>
+              <a:t>耶穌領我日日領我</a:t>
+            </a:r>
+          </a:p>
+          <a:p>
+            <a:pPr algn="ctr">
+              <a:buNone/>
+            </a:pPr>
+            <a:r>
+              <a:rPr lang="zh-TW" altLang="en-US" sz="6400" b="1" dirty="0">
+                <a:solidFill>
+                  <a:srgbClr val="660033"/>
+                </a:solidFill>
+                <a:latin typeface="Microsoft JhengHei" pitchFamily="34" charset="-120"/>
+                <a:ea typeface="Microsoft JhengHei" pitchFamily="34" charset="-120"/>
+              </a:rPr>
+              <a:t>耶穌恩主親手領我</a:t>
+            </a:r>
+          </a:p>
+        </p:txBody>
+      </p:sp>
+    </p:spTree>
+    <p:extLst>
+      <p:ext uri="{BB962C8B-B14F-4D97-AF65-F5344CB8AC3E}">
+        <p14:creationId xmlns:p14="http://schemas.microsoft.com/office/powerpoint/2010/main" val="2294531396"/>
+      </p:ext>
+    </p:extLst>
+  </p:cSld>
+  <p:clrMapOvr>
+    <a:masterClrMapping/>
+  </p:clrMapOvr>
+  <p:timing>
+    <p:tnLst>
+      <p:par>
+        <p:cTn id="1" dur="indefinite" restart="never" nodeType="tmRoot"/>
+      </p:par>
+    </p:tnLst>
+  </p:timing>
+</p:sld>
+</file>
+
+<file path=ppt/slides/slide17.xml><?xml version="1.0" encoding="utf-8"?>
+<p:sld xmlns:a="http://schemas.openxmlformats.org/drawingml/2006/main" xmlns:r="http://schemas.openxmlformats.org/officeDocument/2006/relationships" xmlns:p="http://schemas.openxmlformats.org/presentationml/2006/main">
+  <p:cSld>
+    <p:spTree>
+      <p:nvGrpSpPr>
+        <p:cNvPr id="1" name=""/>
+        <p:cNvGrpSpPr/>
+        <p:nvPr/>
+      </p:nvGrpSpPr>
+      <p:grpSpPr>
+        <a:xfrm>
+          <a:off x="0" y="0"/>
+          <a:ext cx="0" cy="0"/>
+          <a:chOff x="0" y="0"/>
+          <a:chExt cx="0" cy="0"/>
+        </a:xfrm>
+      </p:grpSpPr>
+      <p:sp>
+        <p:nvSpPr>
+          <p:cNvPr id="5" name="內容版面配置區 4"/>
+          <p:cNvSpPr>
+            <a:spLocks noGrp="1"/>
+          </p:cNvSpPr>
+          <p:nvPr>
+            <p:ph idx="1"/>
+          </p:nvPr>
+        </p:nvSpPr>
+        <p:spPr>
+          <a:xfrm>
+            <a:off x="0" y="2084851"/>
+            <a:ext cx="12192000" cy="2404863"/>
+          </a:xfrm>
+        </p:spPr>
+        <p:txBody>
+          <a:bodyPr anchor="ctr">
+            <a:normAutofit/>
+          </a:bodyPr>
+          <a:lstStyle/>
+          <a:p>
+            <a:pPr algn="ctr">
+              <a:buNone/>
+            </a:pPr>
+            <a:r>
+              <a:rPr lang="zh-TW" altLang="en-US" sz="6400" b="1" dirty="0">
+                <a:solidFill>
+                  <a:srgbClr val="660033"/>
+                </a:solidFill>
+                <a:latin typeface="Microsoft JhengHei" pitchFamily="34" charset="-120"/>
+                <a:ea typeface="Microsoft JhengHei" pitchFamily="34" charset="-120"/>
+              </a:rPr>
+              <a:t>我願終身跟主腳蹤</a:t>
+            </a:r>
+          </a:p>
+          <a:p>
+            <a:pPr algn="ctr">
+              <a:buNone/>
+            </a:pPr>
+            <a:r>
+              <a:rPr lang="zh-TW" altLang="en-US" sz="6400" b="1" dirty="0">
+                <a:solidFill>
+                  <a:srgbClr val="660033"/>
+                </a:solidFill>
+                <a:latin typeface="Microsoft JhengHei" pitchFamily="34" charset="-120"/>
+                <a:ea typeface="Microsoft JhengHei" pitchFamily="34" charset="-120"/>
+              </a:rPr>
+              <a:t>因蒙恩主親手領我</a:t>
+            </a:r>
+          </a:p>
+        </p:txBody>
+      </p:sp>
+    </p:spTree>
+    <p:extLst>
+      <p:ext uri="{BB962C8B-B14F-4D97-AF65-F5344CB8AC3E}">
+        <p14:creationId xmlns:p14="http://schemas.microsoft.com/office/powerpoint/2010/main" val="3400717205"/>
+      </p:ext>
+    </p:extLst>
+  </p:cSld>
+  <p:clrMapOvr>
+    <a:masterClrMapping/>
+  </p:clrMapOvr>
+  <p:timing>
+    <p:tnLst>
+      <p:par>
+        <p:cTn id="1" dur="indefinite" restart="never" nodeType="tmRoot"/>
+      </p:par>
+    </p:tnLst>
+  </p:timing>
 </p:sld>
 </file>
 
@@ -3281,106 +4191,123 @@
       </p:grpSpPr>
       <p:sp>
         <p:nvSpPr>
-          <p:cNvPr id="4" name="標題 3"/>
-          <p:cNvSpPr>
-            <a:spLocks noGrp="1"/>
-          </p:cNvSpPr>
-          <p:nvPr>
-            <p:ph type="title"/>
-          </p:nvPr>
-        </p:nvSpPr>
-        <p:spPr/>
-        <p:txBody>
-          <a:bodyPr>
+          <p:cNvPr id="5" name="內容版面配置區 4"/>
+          <p:cNvSpPr>
+            <a:spLocks noGrp="1"/>
+          </p:cNvSpPr>
+          <p:nvPr>
+            <p:ph idx="1"/>
+          </p:nvPr>
+        </p:nvSpPr>
+        <p:spPr>
+          <a:xfrm>
+            <a:off x="0" y="2084851"/>
+            <a:ext cx="12192000" cy="2404863"/>
+          </a:xfrm>
+        </p:spPr>
+        <p:txBody>
+          <a:bodyPr anchor="ctr">
             <a:normAutofit/>
           </a:bodyPr>
           <a:lstStyle/>
           <a:p>
-            <a:r>
-              <a:rPr lang="zh-TW" altLang="en-US" sz="4800" b="1" dirty="0">
-                <a:latin typeface="Microsoft JhengHei" panose="020B0604030504040204" pitchFamily="34" charset="-120"/>
-                <a:ea typeface="Microsoft JhengHei" panose="020B0604030504040204" pitchFamily="34" charset="-120"/>
+            <a:pPr algn="ctr">
+              <a:buNone/>
+            </a:pPr>
+            <a:r>
+              <a:rPr lang="zh-TW" altLang="en-US" sz="6400" b="1" dirty="0">
+                <a:solidFill>
+                  <a:srgbClr val="660033"/>
+                </a:solidFill>
+                <a:latin typeface="Microsoft JhengHei" pitchFamily="34" charset="-120"/>
+                <a:ea typeface="Microsoft JhengHei" pitchFamily="34" charset="-120"/>
               </a:rPr>
-              <a:t>耶穌領我</a:t>
-            </a:r>
-            <a:endParaRPr lang="zh-TW" altLang="en-US" sz="4800" b="1" dirty="0">
-              <a:latin typeface="Microsoft JhengHei" panose="020B0604030504040204" pitchFamily="34" charset="-120"/>
-              <a:ea typeface="Microsoft JhengHei" panose="020B0604030504040204" pitchFamily="34" charset="-120"/>
+              <a:t>耶</a:t>
+            </a:r>
+            <a:r>
+              <a:rPr lang="zh-TW" altLang="en-US" sz="6400" b="1" dirty="0">
+                <a:solidFill>
+                  <a:srgbClr val="660033"/>
+                </a:solidFill>
+                <a:latin typeface="Microsoft JhengHei" pitchFamily="34" charset="-120"/>
+                <a:ea typeface="Microsoft JhengHei" pitchFamily="34" charset="-120"/>
+              </a:rPr>
+              <a:t>穌領我我心歡喜</a:t>
+            </a:r>
+          </a:p>
+          <a:p>
+            <a:pPr algn="ctr">
+              <a:buNone/>
+            </a:pPr>
+            <a:r>
+              <a:rPr lang="zh-TW" altLang="en-US" sz="6400" b="1" dirty="0">
+                <a:solidFill>
+                  <a:srgbClr val="660033"/>
+                </a:solidFill>
+                <a:latin typeface="Microsoft JhengHei" pitchFamily="34" charset="-120"/>
+                <a:ea typeface="Microsoft JhengHei" pitchFamily="34" charset="-120"/>
+              </a:rPr>
+              <a:t>蒙主引導平安無比</a:t>
+            </a:r>
+          </a:p>
+        </p:txBody>
+      </p:sp>
+      <p:sp>
+        <p:nvSpPr>
+          <p:cNvPr id="3" name="TextBox 2"/>
+          <p:cNvSpPr txBox="1"/>
+          <p:nvPr/>
+        </p:nvSpPr>
+        <p:spPr>
+          <a:xfrm>
+            <a:off x="0" y="5061181"/>
+            <a:ext cx="12192000" cy="748988"/>
+          </a:xfrm>
+          <a:prstGeom prst="rect">
+            <a:avLst/>
+          </a:prstGeom>
+          <a:noFill/>
+        </p:spPr>
+        <p:txBody>
+          <a:bodyPr wrap="square" rtlCol="0">
+            <a:spAutoFit/>
+          </a:bodyPr>
+          <a:lstStyle/>
+          <a:p>
+            <a:pPr algn="ctr"/>
+            <a:r>
+              <a:rPr lang="en-US" sz="4267" b="1" dirty="0">
+                <a:solidFill>
+                  <a:srgbClr val="660033"/>
+                </a:solidFill>
+              </a:rPr>
+              <a:t>( 1 / 4 )</a:t>
+            </a:r>
+            <a:endParaRPr lang="vi-VN" sz="4267" b="1" dirty="0">
+              <a:solidFill>
+                <a:srgbClr val="660033"/>
+              </a:solidFill>
             </a:endParaRPr>
           </a:p>
         </p:txBody>
       </p:sp>
-      <p:sp>
-        <p:nvSpPr>
-          <p:cNvPr id="5" name="內容版面配置區 4"/>
-          <p:cNvSpPr>
-            <a:spLocks noGrp="1"/>
-          </p:cNvSpPr>
-          <p:nvPr>
-            <p:ph idx="1"/>
-          </p:nvPr>
-        </p:nvSpPr>
-        <p:spPr/>
-        <p:txBody>
-          <a:bodyPr>
-            <a:normAutofit/>
-          </a:bodyPr>
-          <a:lstStyle/>
-          <a:p>
-            <a:pPr algn="ctr">
-              <a:buNone/>
-            </a:pPr>
-            <a:r>
-              <a:rPr lang="zh-TW" altLang="en-US" sz="5400" b="1" dirty="0">
-                <a:latin typeface="Microsoft JhengHei" panose="020B0604030504040204" pitchFamily="34" charset="-120"/>
-                <a:ea typeface="Microsoft JhengHei" panose="020B0604030504040204" pitchFamily="34" charset="-120"/>
-              </a:rPr>
-              <a:t>耶穌領我日日領我</a:t>
-            </a:r>
-          </a:p>
-          <a:p>
-            <a:pPr algn="ctr">
-              <a:buNone/>
-            </a:pPr>
-            <a:r>
-              <a:rPr lang="zh-TW" altLang="en-US" sz="5400" b="1" dirty="0">
-                <a:latin typeface="Microsoft JhengHei" panose="020B0604030504040204" pitchFamily="34" charset="-120"/>
-                <a:ea typeface="Microsoft JhengHei" panose="020B0604030504040204" pitchFamily="34" charset="-120"/>
-              </a:rPr>
-              <a:t>耶穌恩主親手領我</a:t>
-            </a:r>
-          </a:p>
-          <a:p>
-            <a:pPr algn="ctr">
-              <a:buNone/>
-            </a:pPr>
-            <a:r>
-              <a:rPr lang="zh-TW" altLang="en-US" sz="5400" b="1" dirty="0">
-                <a:latin typeface="Microsoft JhengHei" panose="020B0604030504040204" pitchFamily="34" charset="-120"/>
-                <a:ea typeface="Microsoft JhengHei" panose="020B0604030504040204" pitchFamily="34" charset="-120"/>
-              </a:rPr>
-              <a:t>我願終身跟主腳蹤</a:t>
-            </a:r>
-          </a:p>
-          <a:p>
-            <a:pPr algn="ctr">
-              <a:buNone/>
-            </a:pPr>
-            <a:r>
-              <a:rPr lang="zh-TW" altLang="en-US" sz="5400" b="1" dirty="0">
-                <a:latin typeface="Microsoft JhengHei" panose="020B0604030504040204" pitchFamily="34" charset="-120"/>
-                <a:ea typeface="Microsoft JhengHei" panose="020B0604030504040204" pitchFamily="34" charset="-120"/>
-              </a:rPr>
-              <a:t>因蒙恩主親手領我</a:t>
-            </a:r>
-          </a:p>
-        </p:txBody>
-      </p:sp>
     </p:spTree>
+    <p:extLst>
+      <p:ext uri="{BB962C8B-B14F-4D97-AF65-F5344CB8AC3E}">
+        <p14:creationId xmlns:p14="http://schemas.microsoft.com/office/powerpoint/2010/main" val="3877627360"/>
+      </p:ext>
+    </p:extLst>
   </p:cSld>
   <p:clrMapOvr>
     <a:masterClrMapping/>
   </p:clrMapOvr>
+  <p:timing>
+    <p:tnLst>
+      <p:par>
+        <p:cTn id="1" dur="indefinite" restart="never" nodeType="tmRoot"/>
+      </p:par>
+    </p:tnLst>
+  </p:timing>
 </p:sld>
 </file>
 
@@ -3403,111 +4330,67 @@
       </p:grpSpPr>
       <p:sp>
         <p:nvSpPr>
-          <p:cNvPr id="4" name="標題 3"/>
-          <p:cNvSpPr>
-            <a:spLocks noGrp="1"/>
-          </p:cNvSpPr>
-          <p:nvPr>
-            <p:ph type="title"/>
-          </p:nvPr>
-        </p:nvSpPr>
-        <p:spPr/>
-        <p:txBody>
-          <a:bodyPr>
+          <p:cNvPr id="5" name="內容版面配置區 4"/>
+          <p:cNvSpPr>
+            <a:spLocks noGrp="1"/>
+          </p:cNvSpPr>
+          <p:nvPr>
+            <p:ph idx="1"/>
+          </p:nvPr>
+        </p:nvSpPr>
+        <p:spPr>
+          <a:xfrm>
+            <a:off x="0" y="2084851"/>
+            <a:ext cx="12192000" cy="2404863"/>
+          </a:xfrm>
+        </p:spPr>
+        <p:txBody>
+          <a:bodyPr anchor="ctr">
             <a:normAutofit/>
           </a:bodyPr>
           <a:lstStyle/>
           <a:p>
-            <a:r>
-              <a:rPr lang="zh-TW" altLang="en-US" sz="4800" b="1" dirty="0">
-                <a:latin typeface="Microsoft JhengHei" panose="020B0604030504040204" pitchFamily="34" charset="-120"/>
-                <a:ea typeface="Microsoft JhengHei" panose="020B0604030504040204" pitchFamily="34" charset="-120"/>
+            <a:pPr algn="ctr">
+              <a:buNone/>
+            </a:pPr>
+            <a:r>
+              <a:rPr lang="zh-TW" altLang="en-US" sz="6400" b="1" dirty="0">
+                <a:solidFill>
+                  <a:srgbClr val="660033"/>
+                </a:solidFill>
+                <a:latin typeface="Microsoft JhengHei" pitchFamily="34" charset="-120"/>
+                <a:ea typeface="Microsoft JhengHei" pitchFamily="34" charset="-120"/>
               </a:rPr>
-              <a:t>耶穌領我</a:t>
-            </a:r>
-            <a:endParaRPr lang="zh-TW" altLang="en-US" sz="4800" b="1" dirty="0">
-              <a:latin typeface="Microsoft JhengHei" panose="020B0604030504040204" pitchFamily="34" charset="-120"/>
-              <a:ea typeface="Microsoft JhengHei" panose="020B0604030504040204" pitchFamily="34" charset="-120"/>
-            </a:endParaRPr>
-          </a:p>
-        </p:txBody>
-      </p:sp>
-      <p:sp>
-        <p:nvSpPr>
-          <p:cNvPr id="5" name="內容版面配置區 4"/>
-          <p:cNvSpPr>
-            <a:spLocks noGrp="1"/>
-          </p:cNvSpPr>
-          <p:nvPr>
-            <p:ph idx="1"/>
-          </p:nvPr>
-        </p:nvSpPr>
-        <p:spPr/>
-        <p:txBody>
-          <a:bodyPr>
-            <a:normAutofit/>
-          </a:bodyPr>
-          <a:lstStyle/>
+              <a:t>無論日夜動靜起坐</a:t>
+            </a:r>
+          </a:p>
           <a:p>
             <a:pPr algn="ctr">
               <a:buNone/>
             </a:pPr>
             <a:r>
-              <a:rPr lang="zh-TW" altLang="en-US" sz="5400" b="1" dirty="0">
-                <a:latin typeface="Microsoft JhengHei" panose="020B0604030504040204" pitchFamily="34" charset="-120"/>
-                <a:ea typeface="Microsoft JhengHei" panose="020B0604030504040204" pitchFamily="34" charset="-120"/>
+              <a:rPr lang="zh-TW" altLang="en-US" sz="6400" b="1" dirty="0">
+                <a:solidFill>
+                  <a:srgbClr val="660033"/>
+                </a:solidFill>
+                <a:latin typeface="Microsoft JhengHei" pitchFamily="34" charset="-120"/>
+                <a:ea typeface="Microsoft JhengHei" pitchFamily="34" charset="-120"/>
               </a:rPr>
-              <a:t>有時遭遇困苦憂傷</a:t>
-            </a:r>
-          </a:p>
-          <a:p>
-            <a:pPr algn="ctr">
-              <a:buNone/>
-            </a:pPr>
-            <a:r>
-              <a:rPr lang="zh-TW" altLang="en-US" sz="5400" b="1" dirty="0">
-                <a:latin typeface="Microsoft JhengHei" panose="020B0604030504040204" pitchFamily="34" charset="-120"/>
-                <a:ea typeface="Microsoft JhengHei" panose="020B0604030504040204" pitchFamily="34" charset="-120"/>
-              </a:rPr>
-              <a:t>有時大得快樂吉祥</a:t>
-            </a:r>
-          </a:p>
-          <a:p>
-            <a:pPr algn="ctr">
-              <a:buNone/>
-            </a:pPr>
-            <a:r>
-              <a:rPr lang="zh-TW" altLang="en-US" sz="5400" b="1" dirty="0">
-                <a:latin typeface="Microsoft JhengHei" panose="020B0604030504040204" pitchFamily="34" charset="-120"/>
-                <a:ea typeface="Microsoft JhengHei" panose="020B0604030504040204" pitchFamily="34" charset="-120"/>
-              </a:rPr>
-              <a:t>似海翻騰如山穩妥</a:t>
-            </a:r>
-          </a:p>
-          <a:p>
-            <a:pPr algn="ctr">
-              <a:buNone/>
-            </a:pPr>
-            <a:r>
-              <a:rPr lang="zh-TW" altLang="en-US" sz="5400" b="1" dirty="0">
-                <a:latin typeface="Microsoft JhengHei" panose="020B0604030504040204" pitchFamily="34" charset="-120"/>
-                <a:ea typeface="Microsoft JhengHei" panose="020B0604030504040204" pitchFamily="34" charset="-120"/>
-              </a:rPr>
-              <a:t>或危或安耶穌領我</a:t>
-            </a:r>
-          </a:p>
-        </p:txBody>
-      </p:sp>
-      <p:sp>
-        <p:nvSpPr>
-          <p:cNvPr id="6" name="TextBox 5"/>
+              <a:t>有主耶穌時常領我</a:t>
+            </a:r>
+          </a:p>
+        </p:txBody>
+      </p:sp>
+      <p:sp>
+        <p:nvSpPr>
+          <p:cNvPr id="3" name="TextBox 2"/>
           <p:cNvSpPr txBox="1"/>
           <p:nvPr/>
         </p:nvSpPr>
         <p:spPr>
           <a:xfrm>
-            <a:off x="1271464" y="1625105"/>
-            <a:ext cx="936104" cy="923330"/>
+            <a:off x="0" y="5061181"/>
+            <a:ext cx="12192000" cy="748988"/>
           </a:xfrm>
           <a:prstGeom prst="rect">
             <a:avLst/>
@@ -3520,23 +4403,40 @@
           </a:bodyPr>
           <a:lstStyle/>
           <a:p>
-            <a:r>
-              <a:rPr lang="en-US" sz="5400" b="1" dirty="0"/>
-              <a:t>2</a:t>
-            </a:r>
-            <a:r>
-              <a:rPr lang="en-US" sz="5400" b="1" dirty="0" smtClean="0"/>
-              <a:t>.</a:t>
-            </a:r>
-            <a:endParaRPr lang="vi-VN" sz="5400" b="1" dirty="0"/>
+            <a:pPr algn="ctr"/>
+            <a:r>
+              <a:rPr lang="en-US" sz="4267" b="1" dirty="0">
+                <a:solidFill>
+                  <a:srgbClr val="660033"/>
+                </a:solidFill>
+              </a:rPr>
+              <a:t>( 1 / 4 )</a:t>
+            </a:r>
+            <a:endParaRPr lang="vi-VN" sz="4267" b="1" dirty="0">
+              <a:solidFill>
+                <a:srgbClr val="660033"/>
+              </a:solidFill>
+            </a:endParaRPr>
           </a:p>
         </p:txBody>
       </p:sp>
     </p:spTree>
+    <p:extLst>
+      <p:ext uri="{BB962C8B-B14F-4D97-AF65-F5344CB8AC3E}">
+        <p14:creationId xmlns:p14="http://schemas.microsoft.com/office/powerpoint/2010/main" val="3071420702"/>
+      </p:ext>
+    </p:extLst>
   </p:cSld>
   <p:clrMapOvr>
     <a:masterClrMapping/>
   </p:clrMapOvr>
+  <p:timing>
+    <p:tnLst>
+      <p:par>
+        <p:cTn id="1" dur="indefinite" restart="never" nodeType="tmRoot"/>
+      </p:par>
+    </p:tnLst>
+  </p:timing>
 </p:sld>
 </file>
 
@@ -3559,59 +4459,36 @@
       </p:grpSpPr>
       <p:sp>
         <p:nvSpPr>
-          <p:cNvPr id="4" name="標題 3"/>
-          <p:cNvSpPr>
-            <a:spLocks noGrp="1"/>
-          </p:cNvSpPr>
-          <p:nvPr>
-            <p:ph type="title"/>
-          </p:nvPr>
-        </p:nvSpPr>
-        <p:spPr/>
-        <p:txBody>
-          <a:bodyPr>
+          <p:cNvPr id="5" name="內容版面配置區 4"/>
+          <p:cNvSpPr>
+            <a:spLocks noGrp="1"/>
+          </p:cNvSpPr>
+          <p:nvPr>
+            <p:ph idx="1"/>
+          </p:nvPr>
+        </p:nvSpPr>
+        <p:spPr>
+          <a:xfrm>
+            <a:off x="0" y="2084851"/>
+            <a:ext cx="12192000" cy="2404863"/>
+          </a:xfrm>
+        </p:spPr>
+        <p:txBody>
+          <a:bodyPr anchor="ctr">
             <a:normAutofit/>
           </a:bodyPr>
           <a:lstStyle/>
           <a:p>
-            <a:r>
-              <a:rPr lang="zh-TW" altLang="en-US" sz="4800" b="1" dirty="0">
-                <a:latin typeface="Microsoft JhengHei" panose="020B0604030504040204" pitchFamily="34" charset="-120"/>
-                <a:ea typeface="Microsoft JhengHei" panose="020B0604030504040204" pitchFamily="34" charset="-120"/>
-              </a:rPr>
-              <a:t>耶穌領我</a:t>
-            </a:r>
-            <a:endParaRPr lang="zh-TW" altLang="en-US" sz="4800" b="1" dirty="0">
-              <a:latin typeface="Microsoft JhengHei" panose="020B0604030504040204" pitchFamily="34" charset="-120"/>
-              <a:ea typeface="Microsoft JhengHei" panose="020B0604030504040204" pitchFamily="34" charset="-120"/>
-            </a:endParaRPr>
-          </a:p>
-        </p:txBody>
-      </p:sp>
-      <p:sp>
-        <p:nvSpPr>
-          <p:cNvPr id="5" name="內容版面配置區 4"/>
-          <p:cNvSpPr>
-            <a:spLocks noGrp="1"/>
-          </p:cNvSpPr>
-          <p:nvPr>
-            <p:ph idx="1"/>
-          </p:nvPr>
-        </p:nvSpPr>
-        <p:spPr/>
-        <p:txBody>
-          <a:bodyPr>
-            <a:normAutofit/>
-          </a:bodyPr>
-          <a:lstStyle/>
-          <a:p>
             <a:pPr algn="ctr">
               <a:buNone/>
             </a:pPr>
             <a:r>
-              <a:rPr lang="zh-TW" altLang="en-US" sz="5400" b="1" dirty="0">
-                <a:latin typeface="Microsoft JhengHei" panose="020B0604030504040204" pitchFamily="34" charset="-120"/>
-                <a:ea typeface="Microsoft JhengHei" panose="020B0604030504040204" pitchFamily="34" charset="-120"/>
+              <a:rPr lang="zh-TW" altLang="en-US" sz="6400" b="1" dirty="0">
+                <a:solidFill>
+                  <a:srgbClr val="660033"/>
+                </a:solidFill>
+                <a:latin typeface="Microsoft JhengHei" pitchFamily="34" charset="-120"/>
+                <a:ea typeface="Microsoft JhengHei" pitchFamily="34" charset="-120"/>
               </a:rPr>
               <a:t>耶穌領我日日領我</a:t>
             </a:r>
@@ -3621,44 +4498,35 @@
               <a:buNone/>
             </a:pPr>
             <a:r>
-              <a:rPr lang="zh-TW" altLang="en-US" sz="5400" b="1" dirty="0">
-                <a:latin typeface="Microsoft JhengHei" panose="020B0604030504040204" pitchFamily="34" charset="-120"/>
-                <a:ea typeface="Microsoft JhengHei" panose="020B0604030504040204" pitchFamily="34" charset="-120"/>
+              <a:rPr lang="zh-TW" altLang="en-US" sz="6400" b="1" dirty="0">
+                <a:solidFill>
+                  <a:srgbClr val="660033"/>
+                </a:solidFill>
+                <a:latin typeface="Microsoft JhengHei" pitchFamily="34" charset="-120"/>
+                <a:ea typeface="Microsoft JhengHei" pitchFamily="34" charset="-120"/>
               </a:rPr>
               <a:t>耶穌恩主親手領我</a:t>
             </a:r>
           </a:p>
-          <a:p>
-            <a:pPr algn="ctr">
-              <a:buNone/>
-            </a:pPr>
-            <a:r>
-              <a:rPr lang="zh-TW" altLang="en-US" sz="5400" b="1" dirty="0">
-                <a:latin typeface="Microsoft JhengHei" panose="020B0604030504040204" pitchFamily="34" charset="-120"/>
-                <a:ea typeface="Microsoft JhengHei" panose="020B0604030504040204" pitchFamily="34" charset="-120"/>
-              </a:rPr>
-              <a:t>我願終身跟主腳蹤</a:t>
-            </a:r>
-          </a:p>
-          <a:p>
-            <a:pPr algn="ctr">
-              <a:buNone/>
-            </a:pPr>
-            <a:r>
-              <a:rPr lang="zh-TW" altLang="en-US" sz="5400" b="1" dirty="0">
-                <a:latin typeface="Microsoft JhengHei" panose="020B0604030504040204" pitchFamily="34" charset="-120"/>
-                <a:ea typeface="Microsoft JhengHei" panose="020B0604030504040204" pitchFamily="34" charset="-120"/>
-              </a:rPr>
-              <a:t>因蒙恩主親手領我</a:t>
-            </a:r>
-          </a:p>
         </p:txBody>
       </p:sp>
     </p:spTree>
+    <p:extLst>
+      <p:ext uri="{BB962C8B-B14F-4D97-AF65-F5344CB8AC3E}">
+        <p14:creationId xmlns:p14="http://schemas.microsoft.com/office/powerpoint/2010/main" val="1491909161"/>
+      </p:ext>
+    </p:extLst>
   </p:cSld>
   <p:clrMapOvr>
     <a:masterClrMapping/>
   </p:clrMapOvr>
+  <p:timing>
+    <p:tnLst>
+      <p:par>
+        <p:cTn id="1" dur="indefinite" restart="never" nodeType="tmRoot"/>
+      </p:par>
+    </p:tnLst>
+  </p:timing>
 </p:sld>
 </file>
 
@@ -3681,140 +4549,74 @@
       </p:grpSpPr>
       <p:sp>
         <p:nvSpPr>
-          <p:cNvPr id="4" name="標題 3"/>
-          <p:cNvSpPr>
-            <a:spLocks noGrp="1"/>
-          </p:cNvSpPr>
-          <p:nvPr>
-            <p:ph type="title"/>
-          </p:nvPr>
-        </p:nvSpPr>
-        <p:spPr/>
-        <p:txBody>
-          <a:bodyPr>
+          <p:cNvPr id="5" name="內容版面配置區 4"/>
+          <p:cNvSpPr>
+            <a:spLocks noGrp="1"/>
+          </p:cNvSpPr>
+          <p:nvPr>
+            <p:ph idx="1"/>
+          </p:nvPr>
+        </p:nvSpPr>
+        <p:spPr>
+          <a:xfrm>
+            <a:off x="0" y="2084851"/>
+            <a:ext cx="12192000" cy="2404863"/>
+          </a:xfrm>
+        </p:spPr>
+        <p:txBody>
+          <a:bodyPr anchor="ctr">
             <a:normAutofit/>
           </a:bodyPr>
           <a:lstStyle/>
           <a:p>
-            <a:r>
-              <a:rPr lang="zh-TW" altLang="en-US" sz="4800" b="1" dirty="0">
-                <a:latin typeface="Microsoft JhengHei" panose="020B0604030504040204" pitchFamily="34" charset="-120"/>
-                <a:ea typeface="Microsoft JhengHei" panose="020B0604030504040204" pitchFamily="34" charset="-120"/>
+            <a:pPr algn="ctr">
+              <a:buNone/>
+            </a:pPr>
+            <a:r>
+              <a:rPr lang="zh-TW" altLang="en-US" sz="6400" b="1" dirty="0">
+                <a:solidFill>
+                  <a:srgbClr val="660033"/>
+                </a:solidFill>
+                <a:latin typeface="Microsoft JhengHei" pitchFamily="34" charset="-120"/>
+                <a:ea typeface="Microsoft JhengHei" pitchFamily="34" charset="-120"/>
               </a:rPr>
-              <a:t>耶穌領我</a:t>
-            </a:r>
-            <a:endParaRPr lang="zh-TW" altLang="en-US" sz="4800" b="1" dirty="0">
-              <a:latin typeface="Microsoft JhengHei" panose="020B0604030504040204" pitchFamily="34" charset="-120"/>
-              <a:ea typeface="Microsoft JhengHei" panose="020B0604030504040204" pitchFamily="34" charset="-120"/>
-            </a:endParaRPr>
-          </a:p>
-        </p:txBody>
-      </p:sp>
-      <p:sp>
-        <p:nvSpPr>
-          <p:cNvPr id="5" name="內容版面配置區 4"/>
-          <p:cNvSpPr>
-            <a:spLocks noGrp="1"/>
-          </p:cNvSpPr>
-          <p:nvPr>
-            <p:ph idx="1"/>
-          </p:nvPr>
-        </p:nvSpPr>
-        <p:spPr/>
-        <p:txBody>
-          <a:bodyPr>
-            <a:normAutofit/>
-          </a:bodyPr>
-          <a:lstStyle/>
+              <a:t>我願終身跟主腳蹤</a:t>
+            </a:r>
+          </a:p>
           <a:p>
             <a:pPr algn="ctr">
               <a:buNone/>
             </a:pPr>
             <a:r>
-              <a:rPr lang="zh-TW" altLang="en-US" sz="5400" b="1" dirty="0">
-                <a:latin typeface="Microsoft JhengHei" panose="020B0604030504040204" pitchFamily="34" charset="-120"/>
-                <a:ea typeface="Microsoft JhengHei" panose="020B0604030504040204" pitchFamily="34" charset="-120"/>
+              <a:rPr lang="zh-TW" altLang="en-US" sz="6400" b="1" dirty="0">
+                <a:solidFill>
+                  <a:srgbClr val="660033"/>
+                </a:solidFill>
+                <a:latin typeface="Microsoft JhengHei" pitchFamily="34" charset="-120"/>
+                <a:ea typeface="Microsoft JhengHei" pitchFamily="34" charset="-120"/>
               </a:rPr>
-              <a:t>願拉主手同走一生</a:t>
-            </a:r>
-          </a:p>
-          <a:p>
-            <a:pPr algn="ctr">
-              <a:buNone/>
-            </a:pPr>
-            <a:r>
-              <a:rPr lang="zh-TW" altLang="en-US" sz="5400" b="1" dirty="0">
-                <a:latin typeface="Microsoft JhengHei" panose="020B0604030504040204" pitchFamily="34" charset="-120"/>
-                <a:ea typeface="Microsoft JhengHei" panose="020B0604030504040204" pitchFamily="34" charset="-120"/>
-              </a:rPr>
-              <a:t>從這地步直到天城</a:t>
-            </a:r>
-          </a:p>
-          <a:p>
-            <a:pPr algn="ctr">
-              <a:buNone/>
-            </a:pPr>
-            <a:r>
-              <a:rPr lang="zh-TW" altLang="en-US" sz="5400" b="1" dirty="0">
-                <a:latin typeface="Microsoft JhengHei" panose="020B0604030504040204" pitchFamily="34" charset="-120"/>
-                <a:ea typeface="Microsoft JhengHei" panose="020B0604030504040204" pitchFamily="34" charset="-120"/>
-              </a:rPr>
-              <a:t>遇苦見福兩般皆可</a:t>
-            </a:r>
-          </a:p>
-          <a:p>
-            <a:pPr algn="ctr">
-              <a:buNone/>
-            </a:pPr>
-            <a:r>
-              <a:rPr lang="zh-TW" altLang="en-US" sz="5400" b="1" dirty="0">
-                <a:latin typeface="Microsoft JhengHei" panose="020B0604030504040204" pitchFamily="34" charset="-120"/>
-                <a:ea typeface="Microsoft JhengHei" panose="020B0604030504040204" pitchFamily="34" charset="-120"/>
-              </a:rPr>
-              <a:t>因主耶穌聖手領我</a:t>
-            </a:r>
-          </a:p>
-        </p:txBody>
-      </p:sp>
-      <p:sp>
-        <p:nvSpPr>
-          <p:cNvPr id="6" name="TextBox 5"/>
-          <p:cNvSpPr txBox="1"/>
-          <p:nvPr/>
-        </p:nvSpPr>
-        <p:spPr>
-          <a:xfrm>
-            <a:off x="1271464" y="1625105"/>
-            <a:ext cx="936104" cy="923330"/>
-          </a:xfrm>
-          <a:prstGeom prst="rect">
-            <a:avLst/>
-          </a:prstGeom>
-          <a:noFill/>
-        </p:spPr>
-        <p:txBody>
-          <a:bodyPr wrap="square" rtlCol="0">
-            <a:spAutoFit/>
-          </a:bodyPr>
-          <a:lstStyle/>
-          <a:p>
-            <a:r>
-              <a:rPr lang="en-US" sz="5400" b="1" dirty="0"/>
-              <a:t>3</a:t>
-            </a:r>
-            <a:r>
-              <a:rPr lang="en-US" sz="5400" b="1" dirty="0" smtClean="0"/>
-              <a:t>.</a:t>
-            </a:r>
-            <a:endParaRPr lang="vi-VN" sz="5400" b="1" dirty="0"/>
+              <a:t>因蒙恩主親手領我</a:t>
+            </a:r>
           </a:p>
         </p:txBody>
       </p:sp>
     </p:spTree>
+    <p:extLst>
+      <p:ext uri="{BB962C8B-B14F-4D97-AF65-F5344CB8AC3E}">
+        <p14:creationId xmlns:p14="http://schemas.microsoft.com/office/powerpoint/2010/main" val="1276173088"/>
+      </p:ext>
+    </p:extLst>
   </p:cSld>
   <p:clrMapOvr>
     <a:masterClrMapping/>
   </p:clrMapOvr>
+  <p:timing>
+    <p:tnLst>
+      <p:par>
+        <p:cTn id="1" dur="indefinite" restart="never" nodeType="tmRoot"/>
+      </p:par>
+    </p:tnLst>
+  </p:timing>
 </p:sld>
 </file>
 
@@ -3837,106 +4639,113 @@
       </p:grpSpPr>
       <p:sp>
         <p:nvSpPr>
-          <p:cNvPr id="4" name="標題 3"/>
-          <p:cNvSpPr>
-            <a:spLocks noGrp="1"/>
-          </p:cNvSpPr>
-          <p:nvPr>
-            <p:ph type="title"/>
-          </p:nvPr>
-        </p:nvSpPr>
-        <p:spPr/>
-        <p:txBody>
-          <a:bodyPr>
+          <p:cNvPr id="5" name="內容版面配置區 4"/>
+          <p:cNvSpPr>
+            <a:spLocks noGrp="1"/>
+          </p:cNvSpPr>
+          <p:nvPr>
+            <p:ph idx="1"/>
+          </p:nvPr>
+        </p:nvSpPr>
+        <p:spPr>
+          <a:xfrm>
+            <a:off x="0" y="2084851"/>
+            <a:ext cx="12192000" cy="2404863"/>
+          </a:xfrm>
+        </p:spPr>
+        <p:txBody>
+          <a:bodyPr anchor="ctr">
             <a:normAutofit/>
           </a:bodyPr>
           <a:lstStyle/>
           <a:p>
-            <a:r>
-              <a:rPr lang="zh-TW" altLang="en-US" sz="4800" b="1" dirty="0">
-                <a:latin typeface="Microsoft JhengHei" panose="020B0604030504040204" pitchFamily="34" charset="-120"/>
-                <a:ea typeface="Microsoft JhengHei" panose="020B0604030504040204" pitchFamily="34" charset="-120"/>
+            <a:pPr algn="ctr">
+              <a:buNone/>
+            </a:pPr>
+            <a:r>
+              <a:rPr lang="zh-TW" altLang="en-US" sz="6400" b="1" dirty="0">
+                <a:solidFill>
+                  <a:srgbClr val="660033"/>
+                </a:solidFill>
+                <a:latin typeface="Microsoft JhengHei" pitchFamily="34" charset="-120"/>
+                <a:ea typeface="Microsoft JhengHei" pitchFamily="34" charset="-120"/>
               </a:rPr>
-              <a:t>耶穌領我</a:t>
-            </a:r>
-            <a:endParaRPr lang="zh-TW" altLang="en-US" sz="4800" b="1" dirty="0">
-              <a:latin typeface="Microsoft JhengHei" panose="020B0604030504040204" pitchFamily="34" charset="-120"/>
-              <a:ea typeface="Microsoft JhengHei" panose="020B0604030504040204" pitchFamily="34" charset="-120"/>
+              <a:t>有時遭遇困苦憂傷</a:t>
+            </a:r>
+          </a:p>
+          <a:p>
+            <a:pPr algn="ctr">
+              <a:buNone/>
+            </a:pPr>
+            <a:r>
+              <a:rPr lang="zh-TW" altLang="en-US" sz="6400" b="1" dirty="0">
+                <a:solidFill>
+                  <a:srgbClr val="660033"/>
+                </a:solidFill>
+                <a:latin typeface="Microsoft JhengHei" pitchFamily="34" charset="-120"/>
+                <a:ea typeface="Microsoft JhengHei" pitchFamily="34" charset="-120"/>
+              </a:rPr>
+              <a:t>有時大得快樂吉祥</a:t>
+            </a:r>
+          </a:p>
+        </p:txBody>
+      </p:sp>
+      <p:sp>
+        <p:nvSpPr>
+          <p:cNvPr id="3" name="TextBox 2"/>
+          <p:cNvSpPr txBox="1"/>
+          <p:nvPr/>
+        </p:nvSpPr>
+        <p:spPr>
+          <a:xfrm>
+            <a:off x="0" y="5061181"/>
+            <a:ext cx="12192000" cy="748988"/>
+          </a:xfrm>
+          <a:prstGeom prst="rect">
+            <a:avLst/>
+          </a:prstGeom>
+          <a:noFill/>
+        </p:spPr>
+        <p:txBody>
+          <a:bodyPr wrap="square" rtlCol="0">
+            <a:spAutoFit/>
+          </a:bodyPr>
+          <a:lstStyle/>
+          <a:p>
+            <a:pPr algn="ctr"/>
+            <a:r>
+              <a:rPr lang="en-US" sz="4267" b="1" dirty="0">
+                <a:solidFill>
+                  <a:srgbClr val="660033"/>
+                </a:solidFill>
+              </a:rPr>
+              <a:t>( 2 / 4 )</a:t>
+            </a:r>
+            <a:endParaRPr lang="vi-VN" sz="4267" b="1" dirty="0">
+              <a:solidFill>
+                <a:srgbClr val="660033"/>
+              </a:solidFill>
             </a:endParaRPr>
           </a:p>
         </p:txBody>
       </p:sp>
-      <p:sp>
-        <p:nvSpPr>
-          <p:cNvPr id="5" name="內容版面配置區 4"/>
-          <p:cNvSpPr>
-            <a:spLocks noGrp="1"/>
-          </p:cNvSpPr>
-          <p:nvPr>
-            <p:ph idx="1"/>
-          </p:nvPr>
-        </p:nvSpPr>
-        <p:spPr/>
-        <p:txBody>
-          <a:bodyPr>
-            <a:normAutofit/>
-          </a:bodyPr>
-          <a:lstStyle/>
-          <a:p>
-            <a:pPr algn="ctr">
-              <a:buNone/>
-            </a:pPr>
-            <a:r>
-              <a:rPr lang="zh-TW" altLang="en-US" sz="5400" b="1" dirty="0">
-                <a:latin typeface="Microsoft JhengHei" panose="020B0604030504040204" pitchFamily="34" charset="-120"/>
-                <a:ea typeface="Microsoft JhengHei" panose="020B0604030504040204" pitchFamily="34" charset="-120"/>
-              </a:rPr>
-              <a:t>耶穌領我日日領我</a:t>
-            </a:r>
-          </a:p>
-          <a:p>
-            <a:pPr algn="ctr">
-              <a:buNone/>
-            </a:pPr>
-            <a:r>
-              <a:rPr lang="zh-TW" altLang="en-US" sz="5400" b="1" dirty="0">
-                <a:latin typeface="Microsoft JhengHei" panose="020B0604030504040204" pitchFamily="34" charset="-120"/>
-                <a:ea typeface="Microsoft JhengHei" panose="020B0604030504040204" pitchFamily="34" charset="-120"/>
-              </a:rPr>
-              <a:t>耶穌恩主親手領我</a:t>
-            </a:r>
-          </a:p>
-          <a:p>
-            <a:pPr algn="ctr">
-              <a:buNone/>
-            </a:pPr>
-            <a:r>
-              <a:rPr lang="zh-TW" altLang="en-US" sz="5400" b="1" dirty="0">
-                <a:latin typeface="Microsoft JhengHei" panose="020B0604030504040204" pitchFamily="34" charset="-120"/>
-                <a:ea typeface="Microsoft JhengHei" panose="020B0604030504040204" pitchFamily="34" charset="-120"/>
-              </a:rPr>
-              <a:t>我願終身跟主腳蹤</a:t>
-            </a:r>
-          </a:p>
-          <a:p>
-            <a:pPr algn="ctr">
-              <a:buNone/>
-            </a:pPr>
-            <a:r>
-              <a:rPr lang="zh-TW" altLang="en-US" sz="5400" b="1" dirty="0">
-                <a:latin typeface="Microsoft JhengHei" panose="020B0604030504040204" pitchFamily="34" charset="-120"/>
-                <a:ea typeface="Microsoft JhengHei" panose="020B0604030504040204" pitchFamily="34" charset="-120"/>
-              </a:rPr>
-              <a:t>因蒙恩主親手領我</a:t>
-            </a:r>
-          </a:p>
-        </p:txBody>
-      </p:sp>
     </p:spTree>
+    <p:extLst>
+      <p:ext uri="{BB962C8B-B14F-4D97-AF65-F5344CB8AC3E}">
+        <p14:creationId xmlns:p14="http://schemas.microsoft.com/office/powerpoint/2010/main" val="2965711485"/>
+      </p:ext>
+    </p:extLst>
   </p:cSld>
   <p:clrMapOvr>
     <a:masterClrMapping/>
   </p:clrMapOvr>
+  <p:timing>
+    <p:tnLst>
+      <p:par>
+        <p:cTn id="1" dur="indefinite" restart="never" nodeType="tmRoot"/>
+      </p:par>
+    </p:tnLst>
+  </p:timing>
 </p:sld>
 </file>
 
@@ -3959,119 +4768,67 @@
       </p:grpSpPr>
       <p:sp>
         <p:nvSpPr>
-          <p:cNvPr id="4" name="標題 3"/>
-          <p:cNvSpPr>
-            <a:spLocks noGrp="1"/>
-          </p:cNvSpPr>
-          <p:nvPr>
-            <p:ph type="title"/>
-          </p:nvPr>
-        </p:nvSpPr>
-        <p:spPr/>
-        <p:txBody>
-          <a:bodyPr>
+          <p:cNvPr id="5" name="內容版面配置區 4"/>
+          <p:cNvSpPr>
+            <a:spLocks noGrp="1"/>
+          </p:cNvSpPr>
+          <p:nvPr>
+            <p:ph idx="1"/>
+          </p:nvPr>
+        </p:nvSpPr>
+        <p:spPr>
+          <a:xfrm>
+            <a:off x="0" y="2084851"/>
+            <a:ext cx="12192000" cy="2404863"/>
+          </a:xfrm>
+        </p:spPr>
+        <p:txBody>
+          <a:bodyPr anchor="ctr">
             <a:normAutofit/>
           </a:bodyPr>
           <a:lstStyle/>
           <a:p>
-            <a:r>
-              <a:rPr lang="zh-TW" altLang="en-US" sz="4800" b="1" dirty="0">
-                <a:latin typeface="Microsoft JhengHei" panose="020B0604030504040204" pitchFamily="34" charset="-120"/>
-                <a:ea typeface="Microsoft JhengHei" panose="020B0604030504040204" pitchFamily="34" charset="-120"/>
+            <a:pPr algn="ctr">
+              <a:buNone/>
+            </a:pPr>
+            <a:r>
+              <a:rPr lang="zh-TW" altLang="en-US" sz="6400" b="1" dirty="0">
+                <a:solidFill>
+                  <a:srgbClr val="660033"/>
+                </a:solidFill>
+                <a:latin typeface="Microsoft JhengHei" pitchFamily="34" charset="-120"/>
+                <a:ea typeface="Microsoft JhengHei" pitchFamily="34" charset="-120"/>
               </a:rPr>
-              <a:t>耶穌領我</a:t>
-            </a:r>
-            <a:endParaRPr lang="zh-TW" altLang="en-US" sz="4800" b="1" dirty="0">
-              <a:latin typeface="Microsoft JhengHei" panose="020B0604030504040204" pitchFamily="34" charset="-120"/>
-              <a:ea typeface="Microsoft JhengHei" panose="020B0604030504040204" pitchFamily="34" charset="-120"/>
-            </a:endParaRPr>
-          </a:p>
-        </p:txBody>
-      </p:sp>
-      <p:sp>
-        <p:nvSpPr>
-          <p:cNvPr id="5" name="內容版面配置區 4"/>
-          <p:cNvSpPr>
-            <a:spLocks noGrp="1"/>
-          </p:cNvSpPr>
-          <p:nvPr>
-            <p:ph idx="1"/>
-          </p:nvPr>
-        </p:nvSpPr>
-        <p:spPr/>
-        <p:txBody>
-          <a:bodyPr>
-            <a:normAutofit/>
-          </a:bodyPr>
-          <a:lstStyle/>
+              <a:t>似海翻騰如山穩妥</a:t>
+            </a:r>
+          </a:p>
           <a:p>
             <a:pPr algn="ctr">
               <a:buNone/>
             </a:pPr>
             <a:r>
-              <a:rPr lang="zh-CN" altLang="en-US" sz="5400" b="1" dirty="0">
-                <a:latin typeface="Microsoft JhengHei" panose="020B0604030504040204" pitchFamily="34" charset="-120"/>
-                <a:ea typeface="Microsoft JhengHei" panose="020B0604030504040204" pitchFamily="34" charset="-120"/>
+              <a:rPr lang="zh-TW" altLang="en-US" sz="6400" b="1" dirty="0">
+                <a:solidFill>
+                  <a:srgbClr val="660033"/>
+                </a:solidFill>
+                <a:latin typeface="Microsoft JhengHei" pitchFamily="34" charset="-120"/>
+                <a:ea typeface="Microsoft JhengHei" pitchFamily="34" charset="-120"/>
               </a:rPr>
-              <a:t>到時行完一世路程</a:t>
-            </a:r>
-            <a:endParaRPr lang="zh-TW" altLang="en-US" sz="5400" b="1" dirty="0">
-              <a:latin typeface="Microsoft JhengHei" panose="020B0604030504040204" pitchFamily="34" charset="-120"/>
-              <a:ea typeface="Microsoft JhengHei" panose="020B0604030504040204" pitchFamily="34" charset="-120"/>
-            </a:endParaRPr>
-          </a:p>
-          <a:p>
-            <a:pPr algn="ctr">
-              <a:buNone/>
-            </a:pPr>
-            <a:r>
-              <a:rPr lang="zh-CN" altLang="en-US" sz="5400" b="1" dirty="0">
-                <a:latin typeface="Microsoft JhengHei" panose="020B0604030504040204" pitchFamily="34" charset="-120"/>
-                <a:ea typeface="Microsoft JhengHei" panose="020B0604030504040204" pitchFamily="34" charset="-120"/>
-              </a:rPr>
-              <a:t>內惡外敵靠主全勝</a:t>
-            </a:r>
-            <a:endParaRPr lang="zh-TW" altLang="en-US" sz="5400" b="1" dirty="0">
-              <a:latin typeface="Microsoft JhengHei" panose="020B0604030504040204" pitchFamily="34" charset="-120"/>
-              <a:ea typeface="Microsoft JhengHei" panose="020B0604030504040204" pitchFamily="34" charset="-120"/>
-            </a:endParaRPr>
-          </a:p>
-          <a:p>
-            <a:pPr algn="ctr">
-              <a:buNone/>
-            </a:pPr>
-            <a:r>
-              <a:rPr lang="zh-TW" altLang="en-US" sz="5400" b="1" dirty="0">
-                <a:latin typeface="Microsoft JhengHei" panose="020B0604030504040204" pitchFamily="34" charset="-120"/>
-                <a:ea typeface="Microsoft JhengHei" panose="020B0604030504040204" pitchFamily="34" charset="-120"/>
-              </a:rPr>
-              <a:t>死如冷河我不怕過</a:t>
-            </a:r>
-          </a:p>
-          <a:p>
-            <a:pPr algn="ctr">
-              <a:buNone/>
-            </a:pPr>
-            <a:r>
-              <a:rPr lang="zh-TW" altLang="en-US" sz="5400" b="1" dirty="0">
-                <a:latin typeface="Microsoft JhengHei" panose="020B0604030504040204" pitchFamily="34" charset="-120"/>
-                <a:ea typeface="Microsoft JhengHei" panose="020B0604030504040204" pitchFamily="34" charset="-120"/>
-              </a:rPr>
-              <a:t>獨賴耶穌至終領我</a:t>
-            </a:r>
-          </a:p>
-        </p:txBody>
-      </p:sp>
-      <p:sp>
-        <p:nvSpPr>
-          <p:cNvPr id="6" name="TextBox 5"/>
+              <a:t>或危或安耶穌領我</a:t>
+            </a:r>
+          </a:p>
+        </p:txBody>
+      </p:sp>
+      <p:sp>
+        <p:nvSpPr>
+          <p:cNvPr id="3" name="TextBox 2"/>
           <p:cNvSpPr txBox="1"/>
           <p:nvPr/>
         </p:nvSpPr>
         <p:spPr>
           <a:xfrm>
-            <a:off x="1271464" y="1625105"/>
-            <a:ext cx="936104" cy="923330"/>
+            <a:off x="0" y="5061181"/>
+            <a:ext cx="12192000" cy="748988"/>
           </a:xfrm>
           <a:prstGeom prst="rect">
             <a:avLst/>
@@ -4084,23 +4841,40 @@
           </a:bodyPr>
           <a:lstStyle/>
           <a:p>
-            <a:r>
-              <a:rPr lang="en-US" sz="5400" b="1" dirty="0"/>
-              <a:t>4</a:t>
-            </a:r>
-            <a:r>
-              <a:rPr lang="en-US" sz="5400" b="1" dirty="0" smtClean="0"/>
-              <a:t>.</a:t>
-            </a:r>
-            <a:endParaRPr lang="vi-VN" sz="5400" b="1" dirty="0"/>
+            <a:pPr algn="ctr"/>
+            <a:r>
+              <a:rPr lang="en-US" sz="4267" b="1" dirty="0">
+                <a:solidFill>
+                  <a:srgbClr val="660033"/>
+                </a:solidFill>
+              </a:rPr>
+              <a:t>( 2 / 4 )</a:t>
+            </a:r>
+            <a:endParaRPr lang="vi-VN" sz="4267" b="1" dirty="0">
+              <a:solidFill>
+                <a:srgbClr val="660033"/>
+              </a:solidFill>
+            </a:endParaRPr>
           </a:p>
         </p:txBody>
       </p:sp>
     </p:spTree>
+    <p:extLst>
+      <p:ext uri="{BB962C8B-B14F-4D97-AF65-F5344CB8AC3E}">
+        <p14:creationId xmlns:p14="http://schemas.microsoft.com/office/powerpoint/2010/main" val="1815532650"/>
+      </p:ext>
+    </p:extLst>
   </p:cSld>
   <p:clrMapOvr>
     <a:masterClrMapping/>
   </p:clrMapOvr>
+  <p:timing>
+    <p:tnLst>
+      <p:par>
+        <p:cTn id="1" dur="indefinite" restart="never" nodeType="tmRoot"/>
+      </p:par>
+    </p:tnLst>
+  </p:timing>
 </p:sld>
 </file>
 
@@ -4123,59 +4897,36 @@
       </p:grpSpPr>
       <p:sp>
         <p:nvSpPr>
-          <p:cNvPr id="4" name="標題 3"/>
-          <p:cNvSpPr>
-            <a:spLocks noGrp="1"/>
-          </p:cNvSpPr>
-          <p:nvPr>
-            <p:ph type="title"/>
-          </p:nvPr>
-        </p:nvSpPr>
-        <p:spPr/>
-        <p:txBody>
-          <a:bodyPr>
+          <p:cNvPr id="5" name="內容版面配置區 4"/>
+          <p:cNvSpPr>
+            <a:spLocks noGrp="1"/>
+          </p:cNvSpPr>
+          <p:nvPr>
+            <p:ph idx="1"/>
+          </p:nvPr>
+        </p:nvSpPr>
+        <p:spPr>
+          <a:xfrm>
+            <a:off x="0" y="2084851"/>
+            <a:ext cx="12192000" cy="2404863"/>
+          </a:xfrm>
+        </p:spPr>
+        <p:txBody>
+          <a:bodyPr anchor="ctr">
             <a:normAutofit/>
           </a:bodyPr>
           <a:lstStyle/>
           <a:p>
-            <a:r>
-              <a:rPr lang="zh-TW" altLang="en-US" sz="4800" b="1" dirty="0">
-                <a:latin typeface="Microsoft JhengHei" panose="020B0604030504040204" pitchFamily="34" charset="-120"/>
-                <a:ea typeface="Microsoft JhengHei" panose="020B0604030504040204" pitchFamily="34" charset="-120"/>
-              </a:rPr>
-              <a:t>耶穌領我</a:t>
-            </a:r>
-            <a:endParaRPr lang="zh-TW" altLang="en-US" sz="4800" b="1" dirty="0">
-              <a:latin typeface="Microsoft JhengHei" panose="020B0604030504040204" pitchFamily="34" charset="-120"/>
-              <a:ea typeface="Microsoft JhengHei" panose="020B0604030504040204" pitchFamily="34" charset="-120"/>
-            </a:endParaRPr>
-          </a:p>
-        </p:txBody>
-      </p:sp>
-      <p:sp>
-        <p:nvSpPr>
-          <p:cNvPr id="5" name="內容版面配置區 4"/>
-          <p:cNvSpPr>
-            <a:spLocks noGrp="1"/>
-          </p:cNvSpPr>
-          <p:nvPr>
-            <p:ph idx="1"/>
-          </p:nvPr>
-        </p:nvSpPr>
-        <p:spPr/>
-        <p:txBody>
-          <a:bodyPr>
-            <a:normAutofit/>
-          </a:bodyPr>
-          <a:lstStyle/>
-          <a:p>
             <a:pPr algn="ctr">
               <a:buNone/>
             </a:pPr>
             <a:r>
-              <a:rPr lang="zh-TW" altLang="en-US" sz="5400" b="1" dirty="0">
-                <a:latin typeface="Microsoft JhengHei" panose="020B0604030504040204" pitchFamily="34" charset="-120"/>
-                <a:ea typeface="Microsoft JhengHei" panose="020B0604030504040204" pitchFamily="34" charset="-120"/>
+              <a:rPr lang="zh-TW" altLang="en-US" sz="6400" b="1" dirty="0">
+                <a:solidFill>
+                  <a:srgbClr val="660033"/>
+                </a:solidFill>
+                <a:latin typeface="Microsoft JhengHei" pitchFamily="34" charset="-120"/>
+                <a:ea typeface="Microsoft JhengHei" pitchFamily="34" charset="-120"/>
               </a:rPr>
               <a:t>耶穌領我日日領我</a:t>
             </a:r>
@@ -4185,44 +4936,125 @@
               <a:buNone/>
             </a:pPr>
             <a:r>
-              <a:rPr lang="zh-TW" altLang="en-US" sz="5400" b="1" dirty="0">
-                <a:latin typeface="Microsoft JhengHei" panose="020B0604030504040204" pitchFamily="34" charset="-120"/>
-                <a:ea typeface="Microsoft JhengHei" panose="020B0604030504040204" pitchFamily="34" charset="-120"/>
+              <a:rPr lang="zh-TW" altLang="en-US" sz="6400" b="1" dirty="0">
+                <a:solidFill>
+                  <a:srgbClr val="660033"/>
+                </a:solidFill>
+                <a:latin typeface="Microsoft JhengHei" pitchFamily="34" charset="-120"/>
+                <a:ea typeface="Microsoft JhengHei" pitchFamily="34" charset="-120"/>
               </a:rPr>
               <a:t>耶穌恩主親手領我</a:t>
             </a:r>
           </a:p>
-          <a:p>
-            <a:pPr algn="ctr">
-              <a:buNone/>
-            </a:pPr>
-            <a:r>
-              <a:rPr lang="zh-TW" altLang="en-US" sz="5400" b="1" dirty="0">
-                <a:latin typeface="Microsoft JhengHei" panose="020B0604030504040204" pitchFamily="34" charset="-120"/>
-                <a:ea typeface="Microsoft JhengHei" panose="020B0604030504040204" pitchFamily="34" charset="-120"/>
-              </a:rPr>
-              <a:t>我願終身跟主腳蹤</a:t>
-            </a:r>
-          </a:p>
-          <a:p>
-            <a:pPr algn="ctr">
-              <a:buNone/>
-            </a:pPr>
-            <a:r>
-              <a:rPr lang="zh-TW" altLang="en-US" sz="5400" b="1" dirty="0">
-                <a:latin typeface="Microsoft JhengHei" panose="020B0604030504040204" pitchFamily="34" charset="-120"/>
-                <a:ea typeface="Microsoft JhengHei" panose="020B0604030504040204" pitchFamily="34" charset="-120"/>
-              </a:rPr>
-              <a:t>因蒙恩主親手領我</a:t>
-            </a:r>
-          </a:p>
         </p:txBody>
       </p:sp>
     </p:spTree>
+    <p:extLst>
+      <p:ext uri="{BB962C8B-B14F-4D97-AF65-F5344CB8AC3E}">
+        <p14:creationId xmlns:p14="http://schemas.microsoft.com/office/powerpoint/2010/main" val="3463399290"/>
+      </p:ext>
+    </p:extLst>
   </p:cSld>
   <p:clrMapOvr>
     <a:masterClrMapping/>
   </p:clrMapOvr>
+  <p:timing>
+    <p:tnLst>
+      <p:par>
+        <p:cTn id="1" dur="indefinite" restart="never" nodeType="tmRoot"/>
+      </p:par>
+    </p:tnLst>
+  </p:timing>
+</p:sld>
+</file>
+
+<file path=ppt/slides/slide9.xml><?xml version="1.0" encoding="utf-8"?>
+<p:sld xmlns:a="http://schemas.openxmlformats.org/drawingml/2006/main" xmlns:r="http://schemas.openxmlformats.org/officeDocument/2006/relationships" xmlns:p="http://schemas.openxmlformats.org/presentationml/2006/main">
+  <p:cSld>
+    <p:spTree>
+      <p:nvGrpSpPr>
+        <p:cNvPr id="1" name=""/>
+        <p:cNvGrpSpPr/>
+        <p:nvPr/>
+      </p:nvGrpSpPr>
+      <p:grpSpPr>
+        <a:xfrm>
+          <a:off x="0" y="0"/>
+          <a:ext cx="0" cy="0"/>
+          <a:chOff x="0" y="0"/>
+          <a:chExt cx="0" cy="0"/>
+        </a:xfrm>
+      </p:grpSpPr>
+      <p:sp>
+        <p:nvSpPr>
+          <p:cNvPr id="5" name="內容版面配置區 4"/>
+          <p:cNvSpPr>
+            <a:spLocks noGrp="1"/>
+          </p:cNvSpPr>
+          <p:nvPr>
+            <p:ph idx="1"/>
+          </p:nvPr>
+        </p:nvSpPr>
+        <p:spPr>
+          <a:xfrm>
+            <a:off x="0" y="2084851"/>
+            <a:ext cx="12192000" cy="2404863"/>
+          </a:xfrm>
+        </p:spPr>
+        <p:txBody>
+          <a:bodyPr anchor="ctr">
+            <a:normAutofit/>
+          </a:bodyPr>
+          <a:lstStyle/>
+          <a:p>
+            <a:pPr algn="ctr">
+              <a:buNone/>
+            </a:pPr>
+            <a:r>
+              <a:rPr lang="zh-TW" altLang="en-US" sz="6400" b="1" dirty="0">
+                <a:solidFill>
+                  <a:srgbClr val="660033"/>
+                </a:solidFill>
+                <a:latin typeface="Microsoft JhengHei" pitchFamily="34" charset="-120"/>
+                <a:ea typeface="Microsoft JhengHei" pitchFamily="34" charset="-120"/>
+              </a:rPr>
+              <a:t>我願終身跟主腳蹤</a:t>
+            </a:r>
+          </a:p>
+          <a:p>
+            <a:pPr algn="ctr">
+              <a:buNone/>
+            </a:pPr>
+            <a:r>
+              <a:rPr lang="zh-TW" altLang="en-US" sz="6400" b="1" dirty="0">
+                <a:solidFill>
+                  <a:srgbClr val="660033"/>
+                </a:solidFill>
+                <a:latin typeface="Microsoft JhengHei" pitchFamily="34" charset="-120"/>
+                <a:ea typeface="Microsoft JhengHei" pitchFamily="34" charset="-120"/>
+              </a:rPr>
+              <a:t>因蒙恩主親手領我</a:t>
+            </a:r>
+          </a:p>
+        </p:txBody>
+      </p:sp>
+    </p:spTree>
+    <p:extLst>
+      <p:ext uri="{BB962C8B-B14F-4D97-AF65-F5344CB8AC3E}">
+        <p14:creationId xmlns:p14="http://schemas.microsoft.com/office/powerpoint/2010/main" val="1774022980"/>
+      </p:ext>
+    </p:extLst>
+  </p:cSld>
+  <p:clrMapOvr>
+    <a:masterClrMapping/>
+  </p:clrMapOvr>
+  <p:timing>
+    <p:tnLst>
+      <p:par>
+        <p:cTn id="1" dur="indefinite" restart="never" nodeType="tmRoot"/>
+      </p:par>
+    </p:tnLst>
+  </p:timing>
 </p:sld>
 </file>
 
